--- a/resources/instructor-notes/KMB-Opening.pptx
+++ b/resources/instructor-notes/KMB-Opening.pptx
@@ -5,10 +5,10 @@
     <p:sldMasterId id="2147484229" r:id="rId4"/>
   </p:sldMasterIdLst>
   <p:notesMasterIdLst>
-    <p:notesMasterId r:id="rId18"/>
+    <p:notesMasterId r:id="rId16"/>
   </p:notesMasterIdLst>
   <p:handoutMasterIdLst>
-    <p:handoutMasterId r:id="rId19"/>
+    <p:handoutMasterId r:id="rId17"/>
   </p:handoutMasterIdLst>
   <p:sldIdLst>
     <p:sldId id="258" r:id="rId5"/>
@@ -17,13 +17,11 @@
     <p:sldId id="3354" r:id="rId8"/>
     <p:sldId id="3362" r:id="rId9"/>
     <p:sldId id="3364" r:id="rId10"/>
-    <p:sldId id="3363" r:id="rId11"/>
-    <p:sldId id="3367" r:id="rId12"/>
-    <p:sldId id="3356" r:id="rId13"/>
-    <p:sldId id="3365" r:id="rId14"/>
-    <p:sldId id="3368" r:id="rId15"/>
-    <p:sldId id="3366" r:id="rId16"/>
-    <p:sldId id="3361" r:id="rId17"/>
+    <p:sldId id="3367" r:id="rId11"/>
+    <p:sldId id="3356" r:id="rId12"/>
+    <p:sldId id="3365" r:id="rId13"/>
+    <p:sldId id="3368" r:id="rId14"/>
+    <p:sldId id="3361" r:id="rId15"/>
   </p:sldIdLst>
   <p:sldSz cx="12192000" cy="6858000"/>
   <p:notesSz cx="6858000" cy="9144000"/>
@@ -712,7 +710,7 @@
               <a:rPr lang="en-US" smtClean="0">
                 <a:latin typeface="Segoe UI" pitchFamily="34" charset="0"/>
               </a:rPr>
-              <a:t>2/22/2019 8:45 PM</a:t>
+              <a:t>4/16/2019 10:46 AM</a:t>
             </a:fld>
             <a:endParaRPr lang="en-US" dirty="0">
               <a:latin typeface="Segoe UI" pitchFamily="34" charset="0"/>
@@ -990,7 +988,7 @@
           <a:p>
             <a:fld id="{2A684A5B-FAB6-4A00-8C57-4D12C178E703}" type="datetime8">
               <a:rPr lang="en-US" smtClean="0"/>
-              <a:t>2/22/2019 8:45 PM</a:t>
+              <a:t>4/16/2019 10:46 AM</a:t>
             </a:fld>
             <a:endParaRPr lang="en-US" dirty="0"/>
           </a:p>
@@ -1555,7 +1553,7 @@
           <a:p>
             <a:fld id="{C897AF20-E950-43F5-A941-0852669C7E57}" type="datetime8">
               <a:rPr lang="en-US" smtClean="0"/>
-              <a:t>2/22/2019 8:45 PM</a:t>
+              <a:t>4/16/2019 10:46 AM</a:t>
             </a:fld>
             <a:endParaRPr lang="en-US" dirty="0"/>
           </a:p>
@@ -1880,7 +1878,7 @@
               <a:tabLst/>
               <a:defRPr/>
             </a:pPr>
-            <a:fld id="{13B2DD64-5783-49A6-8B07-DF662370EFD5}" type="datetime8">
+            <a:fld id="{071F563F-01A7-468C-B2B9-61AE3185D209}" type="datetime8">
               <a:rPr kumimoji="0" lang="en-US" sz="1200" b="0" i="0" u="none" strike="noStrike" kern="1200" cap="none" spc="0" normalizeH="0" baseline="0" noProof="0" smtClean="0">
                 <a:ln>
                   <a:noFill/>
@@ -1895,7 +1893,7 @@
                 <a:ea typeface="+mn-ea"/>
                 <a:cs typeface="+mn-cs"/>
               </a:rPr>
-              <a:t>2/22/2019 8:45 PM</a:t>
+              <a:t>4/16/2019 10:46 AM</a:t>
             </a:fld>
             <a:endParaRPr kumimoji="0" lang="en-US" sz="1200" b="0" i="0" u="none" strike="noStrike" kern="1200" cap="none" spc="0" normalizeH="0" baseline="0" noProof="0" dirty="0">
               <a:ln>
@@ -1979,781 +1977,6 @@
                 <a:defRPr/>
               </a:pPr>
               <a:t>11</a:t>
-            </a:fld>
-            <a:endParaRPr kumimoji="0" lang="en-US" sz="1200" b="0" i="0" u="none" strike="noStrike" kern="1200" cap="none" spc="0" normalizeH="0" baseline="0" noProof="0" dirty="0">
-              <a:ln>
-                <a:noFill/>
-              </a:ln>
-              <a:solidFill>
-                <a:prstClr val="black"/>
-              </a:solidFill>
-              <a:effectLst/>
-              <a:uLnTx/>
-              <a:uFillTx/>
-              <a:latin typeface="Segoe UI" pitchFamily="34" charset="0"/>
-              <a:ea typeface="+mn-ea"/>
-              <a:cs typeface="+mn-cs"/>
-            </a:endParaRPr>
-          </a:p>
-        </p:txBody>
-      </p:sp>
-    </p:spTree>
-    <p:extLst>
-      <p:ext uri="{BB962C8B-B14F-4D97-AF65-F5344CB8AC3E}">
-        <p14:creationId xmlns:p14="http://schemas.microsoft.com/office/powerpoint/2010/main" val="702916380"/>
-      </p:ext>
-    </p:extLst>
-  </p:cSld>
-  <p:clrMapOvr>
-    <a:masterClrMapping/>
-  </p:clrMapOvr>
-</p:notes>
-</file>
-
-<file path=ppt/notesSlides/notesSlide11.xml><?xml version="1.0" encoding="utf-8"?>
-<p:notes xmlns:a="http://schemas.openxmlformats.org/drawingml/2006/main" xmlns:r="http://schemas.openxmlformats.org/officeDocument/2006/relationships" xmlns:p="http://schemas.openxmlformats.org/presentationml/2006/main">
-  <p:cSld>
-    <p:spTree>
-      <p:nvGrpSpPr>
-        <p:cNvPr id="1" name=""/>
-        <p:cNvGrpSpPr/>
-        <p:nvPr/>
-      </p:nvGrpSpPr>
-      <p:grpSpPr>
-        <a:xfrm>
-          <a:off x="0" y="0"/>
-          <a:ext cx="0" cy="0"/>
-          <a:chOff x="0" y="0"/>
-          <a:chExt cx="0" cy="0"/>
-        </a:xfrm>
-      </p:grpSpPr>
-      <p:sp>
-        <p:nvSpPr>
-          <p:cNvPr id="2" name="Slide Image Placeholder 1"/>
-          <p:cNvSpPr>
-            <a:spLocks noGrp="1" noRot="1" noChangeAspect="1"/>
-          </p:cNvSpPr>
-          <p:nvPr>
-            <p:ph type="sldImg"/>
-          </p:nvPr>
-        </p:nvSpPr>
-        <p:spPr>
-          <a:xfrm>
-            <a:off x="381000" y="685800"/>
-            <a:ext cx="6096000" cy="3429000"/>
-          </a:xfrm>
-          <a:prstGeom prst="rect">
-            <a:avLst/>
-          </a:prstGeom>
-        </p:spPr>
-      </p:sp>
-      <p:sp>
-        <p:nvSpPr>
-          <p:cNvPr id="3" name="Notes Placeholder 2"/>
-          <p:cNvSpPr>
-            <a:spLocks noGrp="1"/>
-          </p:cNvSpPr>
-          <p:nvPr>
-            <p:ph type="body" idx="1"/>
-          </p:nvPr>
-        </p:nvSpPr>
-        <p:spPr>
-          <a:xfrm>
-            <a:off x="685800" y="4343400"/>
-            <a:ext cx="5486400" cy="4114800"/>
-          </a:xfrm>
-          <a:prstGeom prst="rect">
-            <a:avLst/>
-          </a:prstGeom>
-        </p:spPr>
-        <p:txBody>
-          <a:bodyPr>
-            <a:normAutofit/>
-          </a:bodyPr>
-          <a:lstStyle/>
-          <a:p>
-            <a:r>
-              <a:rPr lang="en-US" sz="900" b="1" kern="1200" dirty="0">
-                <a:solidFill>
-                  <a:schemeClr val="tx1"/>
-                </a:solidFill>
-                <a:effectLst/>
-                <a:latin typeface="Segoe UI Light" pitchFamily="34" charset="0"/>
-                <a:ea typeface="+mn-ea"/>
-                <a:cs typeface="+mn-cs"/>
-              </a:rPr>
-              <a:t>This slide is required. </a:t>
-            </a:r>
-            <a:r>
-              <a:rPr lang="en-US" sz="900" b="1" u="sng" kern="1200" dirty="0">
-                <a:solidFill>
-                  <a:schemeClr val="tx1"/>
-                </a:solidFill>
-                <a:effectLst/>
-                <a:latin typeface="Segoe UI Light" pitchFamily="34" charset="0"/>
-                <a:ea typeface="+mn-ea"/>
-                <a:cs typeface="+mn-cs"/>
-              </a:rPr>
-              <a:t>Do NOT delete</a:t>
-            </a:r>
-            <a:r>
-              <a:rPr lang="en-US" sz="900" b="1" kern="1200" dirty="0">
-                <a:solidFill>
-                  <a:schemeClr val="tx1"/>
-                </a:solidFill>
-                <a:effectLst/>
-                <a:latin typeface="Segoe UI Light" pitchFamily="34" charset="0"/>
-                <a:ea typeface="+mn-ea"/>
-                <a:cs typeface="+mn-cs"/>
-              </a:rPr>
-              <a:t>. This should be the first slide after your Title Slide. </a:t>
-            </a:r>
-            <a:endParaRPr lang="en-US" sz="900" kern="1200" dirty="0">
-              <a:solidFill>
-                <a:schemeClr val="tx1"/>
-              </a:solidFill>
-              <a:effectLst/>
-              <a:latin typeface="Segoe UI Light" pitchFamily="34" charset="0"/>
-              <a:ea typeface="+mn-ea"/>
-              <a:cs typeface="+mn-cs"/>
-            </a:endParaRPr>
-          </a:p>
-          <a:p>
-            <a:r>
-              <a:rPr lang="en-US" sz="900" kern="1200" dirty="0">
-                <a:solidFill>
-                  <a:schemeClr val="tx1"/>
-                </a:solidFill>
-                <a:effectLst/>
-                <a:latin typeface="Segoe UI Light" pitchFamily="34" charset="0"/>
-                <a:ea typeface="+mn-ea"/>
-                <a:cs typeface="+mn-cs"/>
-              </a:rPr>
-              <a:t> </a:t>
-            </a:r>
-          </a:p>
-          <a:p>
-            <a:pPr lvl="1"/>
-            <a:r>
-              <a:rPr lang="en-US" sz="900" kern="1200" dirty="0">
-                <a:solidFill>
-                  <a:schemeClr val="tx1"/>
-                </a:solidFill>
-                <a:effectLst/>
-                <a:latin typeface="Segoe UI Light" pitchFamily="34" charset="0"/>
-                <a:ea typeface="+mn-ea"/>
-                <a:cs typeface="+mn-cs"/>
-              </a:rPr>
-              <a:t>This slide should describe what your goals are for this session. This information lets your audience know what you are trying to accomplish with your talk or tutorial—</a:t>
-            </a:r>
-            <a:r>
-              <a:rPr lang="en-US" sz="900" kern="1200" dirty="0" err="1">
-                <a:solidFill>
-                  <a:schemeClr val="tx1"/>
-                </a:solidFill>
-                <a:effectLst/>
-                <a:latin typeface="Segoe UI Light" pitchFamily="34" charset="0"/>
-                <a:ea typeface="+mn-ea"/>
-                <a:cs typeface="+mn-cs"/>
-              </a:rPr>
-              <a:t>ie</a:t>
-            </a:r>
-            <a:r>
-              <a:rPr lang="en-US" sz="900" kern="1200" dirty="0">
-                <a:solidFill>
-                  <a:schemeClr val="tx1"/>
-                </a:solidFill>
-                <a:effectLst/>
-                <a:latin typeface="Segoe UI Light" pitchFamily="34" charset="0"/>
-                <a:ea typeface="+mn-ea"/>
-                <a:cs typeface="+mn-cs"/>
-              </a:rPr>
-              <a:t>, what value will attendees get by investing 25 minutes or 2 hours of their time listening to you. </a:t>
-            </a:r>
-          </a:p>
-          <a:p>
-            <a:pPr lvl="1"/>
-            <a:r>
-              <a:rPr lang="en-US" sz="900" b="1" kern="1200" dirty="0">
-                <a:solidFill>
-                  <a:schemeClr val="tx1"/>
-                </a:solidFill>
-                <a:effectLst/>
-                <a:latin typeface="Segoe UI Light" pitchFamily="34" charset="0"/>
-                <a:ea typeface="+mn-ea"/>
-                <a:cs typeface="+mn-cs"/>
-              </a:rPr>
-              <a:t>You should not spend more than 1 minute presenting this slide.</a:t>
-            </a:r>
-            <a:endParaRPr lang="en-US" sz="900" kern="1200" dirty="0">
-              <a:solidFill>
-                <a:schemeClr val="tx1"/>
-              </a:solidFill>
-              <a:effectLst/>
-              <a:latin typeface="Segoe UI Light" pitchFamily="34" charset="0"/>
-              <a:ea typeface="+mn-ea"/>
-              <a:cs typeface="+mn-cs"/>
-            </a:endParaRPr>
-          </a:p>
-          <a:p>
-            <a:pPr lvl="1"/>
-            <a:r>
-              <a:rPr lang="en-US" sz="900" b="1" kern="1200" dirty="0">
-                <a:solidFill>
-                  <a:schemeClr val="tx1"/>
-                </a:solidFill>
-                <a:effectLst/>
-                <a:latin typeface="Segoe UI Light" pitchFamily="34" charset="0"/>
-                <a:ea typeface="+mn-ea"/>
-                <a:cs typeface="+mn-cs"/>
-              </a:rPr>
-              <a:t>General examples of session goals </a:t>
-            </a:r>
-            <a:r>
-              <a:rPr lang="en-US" sz="900" b="1" i="1" kern="1200" dirty="0">
-                <a:solidFill>
-                  <a:schemeClr val="tx1"/>
-                </a:solidFill>
-                <a:effectLst/>
-                <a:latin typeface="Segoe UI Light" pitchFamily="34" charset="0"/>
-                <a:ea typeface="+mn-ea"/>
-                <a:cs typeface="+mn-cs"/>
-              </a:rPr>
-              <a:t>could</a:t>
-            </a:r>
-            <a:r>
-              <a:rPr lang="en-US" sz="900" b="1" kern="1200" dirty="0">
-                <a:solidFill>
-                  <a:schemeClr val="tx1"/>
-                </a:solidFill>
-                <a:effectLst/>
-                <a:latin typeface="Segoe UI Light" pitchFamily="34" charset="0"/>
-                <a:ea typeface="+mn-ea"/>
-                <a:cs typeface="+mn-cs"/>
-              </a:rPr>
-              <a:t> be (you will have to create your own specific goals):</a:t>
-            </a:r>
-            <a:endParaRPr lang="en-US" sz="900" kern="1200" dirty="0">
-              <a:solidFill>
-                <a:schemeClr val="tx1"/>
-              </a:solidFill>
-              <a:effectLst/>
-              <a:latin typeface="Segoe UI Light" pitchFamily="34" charset="0"/>
-              <a:ea typeface="+mn-ea"/>
-              <a:cs typeface="+mn-cs"/>
-            </a:endParaRPr>
-          </a:p>
-          <a:p>
-            <a:pPr lvl="2"/>
-            <a:r>
-              <a:rPr lang="en-US" sz="900" kern="1200" dirty="0">
-                <a:solidFill>
-                  <a:schemeClr val="tx1"/>
-                </a:solidFill>
-                <a:effectLst/>
-                <a:latin typeface="Segoe UI Light" pitchFamily="34" charset="0"/>
-                <a:ea typeface="+mn-ea"/>
-                <a:cs typeface="+mn-cs"/>
-              </a:rPr>
-              <a:t>Introduce a new technique or approach to solve a customer problem</a:t>
-            </a:r>
-          </a:p>
-          <a:p>
-            <a:pPr lvl="2"/>
-            <a:r>
-              <a:rPr lang="en-US" sz="900" kern="1200" dirty="0">
-                <a:solidFill>
-                  <a:schemeClr val="tx1"/>
-                </a:solidFill>
-                <a:effectLst/>
-                <a:latin typeface="Segoe UI Light" pitchFamily="34" charset="0"/>
-                <a:ea typeface="+mn-ea"/>
-                <a:cs typeface="+mn-cs"/>
-              </a:rPr>
-              <a:t>Compare two approaches and explain why one is superior</a:t>
-            </a:r>
-          </a:p>
-          <a:p>
-            <a:pPr lvl="2"/>
-            <a:r>
-              <a:rPr lang="en-US" sz="900" kern="1200" dirty="0">
-                <a:solidFill>
-                  <a:schemeClr val="tx1"/>
-                </a:solidFill>
-                <a:effectLst/>
-                <a:latin typeface="Segoe UI Light" pitchFamily="34" charset="0"/>
-                <a:ea typeface="+mn-ea"/>
-                <a:cs typeface="+mn-cs"/>
-              </a:rPr>
-              <a:t>Describe a project and the learnings that audience members can apply from it</a:t>
-            </a:r>
-          </a:p>
-          <a:p>
-            <a:pPr lvl="2"/>
-            <a:r>
-              <a:rPr lang="en-US" sz="900" kern="1200" dirty="0">
-                <a:solidFill>
-                  <a:schemeClr val="tx1"/>
-                </a:solidFill>
-                <a:effectLst/>
-                <a:latin typeface="Segoe UI Light" pitchFamily="34" charset="0"/>
-                <a:ea typeface="+mn-ea"/>
-                <a:cs typeface="+mn-cs"/>
-              </a:rPr>
-              <a:t>Teach audience members how to use a specific technology</a:t>
-            </a:r>
-          </a:p>
-        </p:txBody>
-      </p:sp>
-      <p:sp>
-        <p:nvSpPr>
-          <p:cNvPr id="4" name="Date Placeholder 3"/>
-          <p:cNvSpPr>
-            <a:spLocks noGrp="1"/>
-          </p:cNvSpPr>
-          <p:nvPr>
-            <p:ph type="dt" idx="10"/>
-          </p:nvPr>
-        </p:nvSpPr>
-        <p:spPr>
-          <a:xfrm>
-            <a:off x="3884613" y="0"/>
-            <a:ext cx="2971800" cy="457200"/>
-          </a:xfrm>
-          <a:prstGeom prst="rect">
-            <a:avLst/>
-          </a:prstGeom>
-        </p:spPr>
-        <p:txBody>
-          <a:bodyPr/>
-          <a:lstStyle/>
-          <a:p>
-            <a:fld id="{33E63E2A-4DE7-4D8C-969C-2BA395D9F4E0}" type="datetime8">
-              <a:rPr lang="en-US" smtClean="0"/>
-              <a:t>2/22/2019 8:45 PM</a:t>
-            </a:fld>
-            <a:endParaRPr lang="en-US" dirty="0"/>
-          </a:p>
-        </p:txBody>
-      </p:sp>
-      <p:sp>
-        <p:nvSpPr>
-          <p:cNvPr id="7" name="Slide Number Placeholder 6"/>
-          <p:cNvSpPr>
-            <a:spLocks noGrp="1"/>
-          </p:cNvSpPr>
-          <p:nvPr>
-            <p:ph type="sldNum" sz="quarter" idx="12"/>
-          </p:nvPr>
-        </p:nvSpPr>
-        <p:spPr>
-          <a:xfrm>
-            <a:off x="6172199" y="8685213"/>
-            <a:ext cx="684213" cy="457200"/>
-          </a:xfrm>
-          <a:prstGeom prst="rect">
-            <a:avLst/>
-          </a:prstGeom>
-        </p:spPr>
-        <p:txBody>
-          <a:bodyPr/>
-          <a:lstStyle/>
-          <a:p>
-            <a:fld id="{8B263312-38AA-4E1E-B2B5-0F8F122B24FE}" type="slidenum">
-              <a:rPr lang="en-US" smtClean="0"/>
-              <a:pPr/>
-              <a:t>12</a:t>
-            </a:fld>
-            <a:endParaRPr lang="en-US" dirty="0"/>
-          </a:p>
-        </p:txBody>
-      </p:sp>
-      <p:sp>
-        <p:nvSpPr>
-          <p:cNvPr id="6" name="Footer Placeholder 5"/>
-          <p:cNvSpPr>
-            <a:spLocks noGrp="1"/>
-          </p:cNvSpPr>
-          <p:nvPr>
-            <p:ph type="ftr" sz="quarter" idx="13"/>
-          </p:nvPr>
-        </p:nvSpPr>
-        <p:spPr/>
-        <p:txBody>
-          <a:bodyPr/>
-          <a:lstStyle/>
-          <a:p>
-            <a:pPr defTabSz="914099" eaLnBrk="0" hangingPunct="0"/>
-            <a:r>
-              <a:rPr lang="en-US" sz="400" dirty="0">
-                <a:gradFill>
-                  <a:gsLst>
-                    <a:gs pos="0">
-                      <a:prstClr val="black"/>
-                    </a:gs>
-                    <a:gs pos="100000">
-                      <a:prstClr val="black"/>
-                    </a:gs>
-                  </a:gsLst>
-                  <a:lin ang="5400000" scaled="0"/>
-                </a:gradFill>
-                <a:latin typeface="Segoe UI" pitchFamily="34" charset="0"/>
-                <a:ea typeface="Segoe UI" pitchFamily="34" charset="0"/>
-                <a:cs typeface="Segoe UI" pitchFamily="34" charset="0"/>
-              </a:rPr>
-              <a:t>© 2014 Microsoft Corporation. All rights reserved. MICROSOFT MAKES NO WARRANTIES, EXPRESS, IMPLIED OR STATUTORY, AS TO THE INFORMATION IN THIS PRESENTATION.</a:t>
-            </a:r>
-          </a:p>
-        </p:txBody>
-      </p:sp>
-      <p:sp>
-        <p:nvSpPr>
-          <p:cNvPr id="9" name="Header Placeholder 8"/>
-          <p:cNvSpPr>
-            <a:spLocks noGrp="1"/>
-          </p:cNvSpPr>
-          <p:nvPr>
-            <p:ph type="hdr" sz="quarter" idx="14"/>
-          </p:nvPr>
-        </p:nvSpPr>
-        <p:spPr/>
-        <p:txBody>
-          <a:bodyPr/>
-          <a:lstStyle/>
-          <a:p>
-            <a:r>
-              <a:rPr lang="en-US" dirty="0"/>
-              <a:t>Machine Learning, Analytics, &amp; Data Science Conference</a:t>
-            </a:r>
-          </a:p>
-        </p:txBody>
-      </p:sp>
-    </p:spTree>
-    <p:extLst>
-      <p:ext uri="{BB962C8B-B14F-4D97-AF65-F5344CB8AC3E}">
-        <p14:creationId xmlns:p14="http://schemas.microsoft.com/office/powerpoint/2010/main" val="2188460286"/>
-      </p:ext>
-    </p:extLst>
-  </p:cSld>
-  <p:clrMapOvr>
-    <a:masterClrMapping/>
-  </p:clrMapOvr>
-</p:notes>
-</file>
-
-<file path=ppt/notesSlides/notesSlide12.xml><?xml version="1.0" encoding="utf-8"?>
-<p:notes xmlns:a="http://schemas.openxmlformats.org/drawingml/2006/main" xmlns:r="http://schemas.openxmlformats.org/officeDocument/2006/relationships" xmlns:p="http://schemas.openxmlformats.org/presentationml/2006/main">
-  <p:cSld>
-    <p:spTree>
-      <p:nvGrpSpPr>
-        <p:cNvPr id="1" name=""/>
-        <p:cNvGrpSpPr/>
-        <p:nvPr/>
-      </p:nvGrpSpPr>
-      <p:grpSpPr>
-        <a:xfrm>
-          <a:off x="0" y="0"/>
-          <a:ext cx="0" cy="0"/>
-          <a:chOff x="0" y="0"/>
-          <a:chExt cx="0" cy="0"/>
-        </a:xfrm>
-      </p:grpSpPr>
-      <p:sp>
-        <p:nvSpPr>
-          <p:cNvPr id="2" name="Slide Image Placeholder 1"/>
-          <p:cNvSpPr>
-            <a:spLocks noGrp="1" noRot="1" noChangeAspect="1"/>
-          </p:cNvSpPr>
-          <p:nvPr>
-            <p:ph type="sldImg"/>
-          </p:nvPr>
-        </p:nvSpPr>
-        <p:spPr/>
-      </p:sp>
-      <p:sp>
-        <p:nvSpPr>
-          <p:cNvPr id="3" name="Notes Placeholder 2"/>
-          <p:cNvSpPr>
-            <a:spLocks noGrp="1"/>
-          </p:cNvSpPr>
-          <p:nvPr>
-            <p:ph type="body" idx="1"/>
-          </p:nvPr>
-        </p:nvSpPr>
-        <p:spPr/>
-        <p:txBody>
-          <a:bodyPr/>
-          <a:lstStyle/>
-          <a:p>
-            <a:r>
-              <a:rPr lang="en-US" dirty="0"/>
-              <a:t> </a:t>
-            </a:r>
-          </a:p>
-        </p:txBody>
-      </p:sp>
-      <p:sp>
-        <p:nvSpPr>
-          <p:cNvPr id="4" name="Header Placeholder 3"/>
-          <p:cNvSpPr>
-            <a:spLocks noGrp="1"/>
-          </p:cNvSpPr>
-          <p:nvPr>
-            <p:ph type="hdr" sz="quarter" idx="10"/>
-          </p:nvPr>
-        </p:nvSpPr>
-        <p:spPr/>
-        <p:txBody>
-          <a:bodyPr/>
-          <a:lstStyle/>
-          <a:p>
-            <a:pPr marL="0" marR="0" lvl="0" indent="0" algn="l" defTabSz="932742" rtl="0" eaLnBrk="1" fontAlgn="auto" latinLnBrk="0" hangingPunct="1">
-              <a:lnSpc>
-                <a:spcPct val="100000"/>
-              </a:lnSpc>
-              <a:spcBef>
-                <a:spcPts val="0"/>
-              </a:spcBef>
-              <a:spcAft>
-                <a:spcPts val="0"/>
-              </a:spcAft>
-              <a:buClrTx/>
-              <a:buSzTx/>
-              <a:buFontTx/>
-              <a:buNone/>
-              <a:tabLst/>
-              <a:defRPr/>
-            </a:pPr>
-            <a:endParaRPr kumimoji="0" lang="en-US" sz="1200" b="0" i="0" u="none" strike="noStrike" kern="1200" cap="none" spc="0" normalizeH="0" baseline="0" noProof="0" dirty="0">
-              <a:ln>
-                <a:noFill/>
-              </a:ln>
-              <a:solidFill>
-                <a:prstClr val="black"/>
-              </a:solidFill>
-              <a:effectLst/>
-              <a:uLnTx/>
-              <a:uFillTx/>
-              <a:latin typeface="Segoe UI" pitchFamily="34" charset="0"/>
-              <a:ea typeface="+mn-ea"/>
-              <a:cs typeface="+mn-cs"/>
-            </a:endParaRPr>
-          </a:p>
-        </p:txBody>
-      </p:sp>
-      <p:sp>
-        <p:nvSpPr>
-          <p:cNvPr id="5" name="Footer Placeholder 4"/>
-          <p:cNvSpPr>
-            <a:spLocks noGrp="1"/>
-          </p:cNvSpPr>
-          <p:nvPr>
-            <p:ph type="ftr" sz="quarter" idx="11"/>
-          </p:nvPr>
-        </p:nvSpPr>
-        <p:spPr/>
-        <p:txBody>
-          <a:bodyPr/>
-          <a:lstStyle/>
-          <a:p>
-            <a:pPr marL="398463" marR="0" lvl="0" indent="0" algn="l" defTabSz="914099" rtl="0" eaLnBrk="0" fontAlgn="auto" latinLnBrk="0" hangingPunct="0">
-              <a:lnSpc>
-                <a:spcPct val="100000"/>
-              </a:lnSpc>
-              <a:spcBef>
-                <a:spcPts val="0"/>
-              </a:spcBef>
-              <a:spcAft>
-                <a:spcPts val="0"/>
-              </a:spcAft>
-              <a:buClrTx/>
-              <a:buSzTx/>
-              <a:buFontTx/>
-              <a:buNone/>
-              <a:tabLst/>
-              <a:defRPr/>
-            </a:pPr>
-            <a:r>
-              <a:rPr kumimoji="0" lang="en-US" sz="400" b="0" i="0" u="none" strike="noStrike" kern="1200" cap="none" spc="0" normalizeH="0" baseline="0" noProof="0">
-                <a:ln>
-                  <a:noFill/>
-                </a:ln>
-                <a:gradFill>
-                  <a:gsLst>
-                    <a:gs pos="0">
-                      <a:prstClr val="black"/>
-                    </a:gs>
-                    <a:gs pos="100000">
-                      <a:prstClr val="black"/>
-                    </a:gs>
-                  </a:gsLst>
-                  <a:lin ang="5400000" scaled="0"/>
-                </a:gradFill>
-                <a:effectLst/>
-                <a:uLnTx/>
-                <a:uFillTx/>
-                <a:latin typeface="Segoe UI" pitchFamily="34" charset="0"/>
-                <a:ea typeface="Segoe UI" pitchFamily="34" charset="0"/>
-                <a:cs typeface="Segoe UI" pitchFamily="34" charset="0"/>
-              </a:rPr>
-              <a:t>© Microsoft Corporation. All rights reserved. </a:t>
-            </a:r>
-            <a:endParaRPr kumimoji="0" lang="en-US" sz="400" b="0" i="0" u="none" strike="noStrike" kern="1200" cap="none" spc="0" normalizeH="0" baseline="0" noProof="0" dirty="0">
-              <a:ln>
-                <a:noFill/>
-              </a:ln>
-              <a:gradFill>
-                <a:gsLst>
-                  <a:gs pos="0">
-                    <a:prstClr val="black"/>
-                  </a:gs>
-                  <a:gs pos="100000">
-                    <a:prstClr val="black"/>
-                  </a:gs>
-                </a:gsLst>
-                <a:lin ang="5400000" scaled="0"/>
-              </a:gradFill>
-              <a:effectLst/>
-              <a:uLnTx/>
-              <a:uFillTx/>
-              <a:latin typeface="Segoe UI" pitchFamily="34" charset="0"/>
-              <a:ea typeface="Segoe UI" pitchFamily="34" charset="0"/>
-              <a:cs typeface="Segoe UI" pitchFamily="34" charset="0"/>
-            </a:endParaRPr>
-          </a:p>
-        </p:txBody>
-      </p:sp>
-      <p:sp>
-        <p:nvSpPr>
-          <p:cNvPr id="6" name="Date Placeholder 5"/>
-          <p:cNvSpPr>
-            <a:spLocks noGrp="1"/>
-          </p:cNvSpPr>
-          <p:nvPr>
-            <p:ph type="dt" idx="12"/>
-          </p:nvPr>
-        </p:nvSpPr>
-        <p:spPr/>
-        <p:txBody>
-          <a:bodyPr/>
-          <a:lstStyle/>
-          <a:p>
-            <a:pPr marL="0" marR="0" lvl="0" indent="0" algn="r" defTabSz="932742" rtl="0" eaLnBrk="1" fontAlgn="auto" latinLnBrk="0" hangingPunct="1">
-              <a:lnSpc>
-                <a:spcPct val="100000"/>
-              </a:lnSpc>
-              <a:spcBef>
-                <a:spcPts val="0"/>
-              </a:spcBef>
-              <a:spcAft>
-                <a:spcPts val="0"/>
-              </a:spcAft>
-              <a:buClrTx/>
-              <a:buSzTx/>
-              <a:buFontTx/>
-              <a:buNone/>
-              <a:tabLst/>
-              <a:defRPr/>
-            </a:pPr>
-            <a:fld id="{071F563F-01A7-468C-B2B9-61AE3185D209}" type="datetime8">
-              <a:rPr kumimoji="0" lang="en-US" sz="1200" b="0" i="0" u="none" strike="noStrike" kern="1200" cap="none" spc="0" normalizeH="0" baseline="0" noProof="0" smtClean="0">
-                <a:ln>
-                  <a:noFill/>
-                </a:ln>
-                <a:solidFill>
-                  <a:prstClr val="black"/>
-                </a:solidFill>
-                <a:effectLst/>
-                <a:uLnTx/>
-                <a:uFillTx/>
-                <a:latin typeface="Segoe UI" pitchFamily="34" charset="0"/>
-                <a:ea typeface="+mn-ea"/>
-                <a:cs typeface="+mn-cs"/>
-              </a:rPr>
-              <a:t>2/22/2019 8:45 PM</a:t>
-            </a:fld>
-            <a:endParaRPr kumimoji="0" lang="en-US" sz="1200" b="0" i="0" u="none" strike="noStrike" kern="1200" cap="none" spc="0" normalizeH="0" baseline="0" noProof="0" dirty="0">
-              <a:ln>
-                <a:noFill/>
-              </a:ln>
-              <a:solidFill>
-                <a:prstClr val="black"/>
-              </a:solidFill>
-              <a:effectLst/>
-              <a:uLnTx/>
-              <a:uFillTx/>
-              <a:latin typeface="Segoe UI" pitchFamily="34" charset="0"/>
-              <a:ea typeface="+mn-ea"/>
-              <a:cs typeface="+mn-cs"/>
-            </a:endParaRPr>
-          </a:p>
-        </p:txBody>
-      </p:sp>
-      <p:sp>
-        <p:nvSpPr>
-          <p:cNvPr id="7" name="Slide Number Placeholder 6"/>
-          <p:cNvSpPr>
-            <a:spLocks noGrp="1"/>
-          </p:cNvSpPr>
-          <p:nvPr>
-            <p:ph type="sldNum" sz="quarter" idx="13"/>
-          </p:nvPr>
-        </p:nvSpPr>
-        <p:spPr/>
-        <p:txBody>
-          <a:bodyPr/>
-          <a:lstStyle/>
-          <a:p>
-            <a:pPr marL="0" marR="0" lvl="0" indent="0" algn="r" defTabSz="932742" rtl="0" eaLnBrk="1" fontAlgn="auto" latinLnBrk="0" hangingPunct="1">
-              <a:lnSpc>
-                <a:spcPct val="100000"/>
-              </a:lnSpc>
-              <a:spcBef>
-                <a:spcPts val="0"/>
-              </a:spcBef>
-              <a:spcAft>
-                <a:spcPts val="0"/>
-              </a:spcAft>
-              <a:buClrTx/>
-              <a:buSzTx/>
-              <a:buFontTx/>
-              <a:buNone/>
-              <a:tabLst/>
-              <a:defRPr/>
-            </a:pPr>
-            <a:fld id="{B4008EB6-D09E-4580-8CD6-DDB14511944F}" type="slidenum">
-              <a:rPr kumimoji="0" lang="en-US" sz="1200" b="0" i="0" u="none" strike="noStrike" kern="1200" cap="none" spc="0" normalizeH="0" baseline="0" noProof="0" smtClean="0">
-                <a:ln>
-                  <a:noFill/>
-                </a:ln>
-                <a:solidFill>
-                  <a:prstClr val="black"/>
-                </a:solidFill>
-                <a:effectLst/>
-                <a:uLnTx/>
-                <a:uFillTx/>
-                <a:latin typeface="Segoe UI" pitchFamily="34" charset="0"/>
-                <a:ea typeface="+mn-ea"/>
-                <a:cs typeface="+mn-cs"/>
-              </a:rPr>
-              <a:pPr marL="0" marR="0" lvl="0" indent="0" algn="r" defTabSz="932742" rtl="0" eaLnBrk="1" fontAlgn="auto" latinLnBrk="0" hangingPunct="1">
-                <a:lnSpc>
-                  <a:spcPct val="100000"/>
-                </a:lnSpc>
-                <a:spcBef>
-                  <a:spcPts val="0"/>
-                </a:spcBef>
-                <a:spcAft>
-                  <a:spcPts val="0"/>
-                </a:spcAft>
-                <a:buClrTx/>
-                <a:buSzTx/>
-                <a:buFontTx/>
-                <a:buNone/>
-                <a:tabLst/>
-                <a:defRPr/>
-              </a:pPr>
-              <a:t>13</a:t>
             </a:fld>
             <a:endParaRPr kumimoji="0" lang="en-US" sz="1200" b="0" i="0" u="none" strike="noStrike" kern="1200" cap="none" spc="0" normalizeH="0" baseline="0" noProof="0" dirty="0">
               <a:ln>
@@ -3105,7 +2328,7 @@
           <a:p>
             <a:fld id="{33E63E2A-4DE7-4D8C-969C-2BA395D9F4E0}" type="datetime8">
               <a:rPr lang="en-US" smtClean="0"/>
-              <a:t>2/22/2019 8:45 PM</a:t>
+              <a:t>4/16/2019 10:46 AM</a:t>
             </a:fld>
             <a:endParaRPr lang="en-US" dirty="0"/>
           </a:p>
@@ -3445,7 +2668,7 @@
                 <a:ea typeface="+mn-ea"/>
                 <a:cs typeface="+mn-cs"/>
               </a:rPr>
-              <a:t>2/22/2019 8:45 PM</a:t>
+              <a:t>4/16/2019 10:46 AM</a:t>
             </a:fld>
             <a:endParaRPr kumimoji="0" lang="en-US" sz="1200" b="0" i="0" u="none" strike="noStrike" kern="1200" cap="none" spc="0" normalizeH="0" baseline="0" noProof="0" dirty="0">
               <a:ln>
@@ -3789,7 +3012,7 @@
                 <a:ea typeface="+mn-ea"/>
                 <a:cs typeface="+mn-cs"/>
               </a:rPr>
-              <a:t>2/22/2019 8:45 PM</a:t>
+              <a:t>4/16/2019 10:46 AM</a:t>
             </a:fld>
             <a:endParaRPr kumimoji="0" lang="en-US" sz="1200" b="0" i="0" u="none" strike="noStrike" kern="1200" cap="none" spc="0" normalizeH="0" baseline="0" noProof="0" dirty="0">
               <a:ln>
@@ -4224,7 +3447,7 @@
           <a:p>
             <a:fld id="{33E63E2A-4DE7-4D8C-969C-2BA395D9F4E0}" type="datetime8">
               <a:rPr lang="en-US" smtClean="0"/>
-              <a:t>2/22/2019 8:45 PM</a:t>
+              <a:t>4/16/2019 10:46 AM</a:t>
             </a:fld>
             <a:endParaRPr lang="en-US" dirty="0"/>
           </a:p>
@@ -4564,7 +3787,7 @@
                 <a:ea typeface="+mn-ea"/>
                 <a:cs typeface="+mn-cs"/>
               </a:rPr>
-              <a:t>2/22/2019 8:45 PM</a:t>
+              <a:t>4/16/2019 10:46 AM</a:t>
             </a:fld>
             <a:endParaRPr kumimoji="0" lang="en-US" sz="1200" b="0" i="0" u="none" strike="noStrike" kern="1200" cap="none" spc="0" normalizeH="0" baseline="0" noProof="0" dirty="0">
               <a:ln>
@@ -4669,7 +3892,7 @@
     </p:spTree>
     <p:extLst>
       <p:ext uri="{BB962C8B-B14F-4D97-AF65-F5344CB8AC3E}">
-        <p14:creationId xmlns:p14="http://schemas.microsoft.com/office/powerpoint/2010/main" val="486625024"/>
+        <p14:creationId xmlns:p14="http://schemas.microsoft.com/office/powerpoint/2010/main" val="2432645976"/>
       </p:ext>
     </p:extLst>
   </p:cSld>
@@ -4893,7 +4116,7 @@
               <a:tabLst/>
               <a:defRPr/>
             </a:pPr>
-            <a:fld id="{13B2DD64-5783-49A6-8B07-DF662370EFD5}" type="datetime8">
+            <a:fld id="{FA79682D-8EEB-499C-8F48-A8C1FD21491C}" type="datetime8">
               <a:rPr kumimoji="0" lang="en-US" sz="1200" b="0" i="0" u="none" strike="noStrike" kern="1200" cap="none" spc="0" normalizeH="0" baseline="0" noProof="0" smtClean="0">
                 <a:ln>
                   <a:noFill/>
@@ -4908,7 +4131,7 @@
                 <a:ea typeface="+mn-ea"/>
                 <a:cs typeface="+mn-cs"/>
               </a:rPr>
-              <a:t>2/22/2019 8:49 PM</a:t>
+              <a:t>4/16/2019 10:46 AM</a:t>
             </a:fld>
             <a:endParaRPr kumimoji="0" lang="en-US" sz="1200" b="0" i="0" u="none" strike="noStrike" kern="1200" cap="none" spc="0" normalizeH="0" baseline="0" noProof="0" dirty="0">
               <a:ln>
@@ -5013,7 +4236,7 @@
     </p:spTree>
     <p:extLst>
       <p:ext uri="{BB962C8B-B14F-4D97-AF65-F5344CB8AC3E}">
-        <p14:creationId xmlns:p14="http://schemas.microsoft.com/office/powerpoint/2010/main" val="2432645976"/>
+        <p14:creationId xmlns:p14="http://schemas.microsoft.com/office/powerpoint/2010/main" val="2339353874"/>
       </p:ext>
     </p:extLst>
   </p:cSld>
@@ -5237,7 +4460,7 @@
               <a:tabLst/>
               <a:defRPr/>
             </a:pPr>
-            <a:fld id="{FA79682D-8EEB-499C-8F48-A8C1FD21491C}" type="datetime8">
+            <a:fld id="{13B2DD64-5783-49A6-8B07-DF662370EFD5}" type="datetime8">
               <a:rPr kumimoji="0" lang="en-US" sz="1200" b="0" i="0" u="none" strike="noStrike" kern="1200" cap="none" spc="0" normalizeH="0" baseline="0" noProof="0" smtClean="0">
                 <a:ln>
                   <a:noFill/>
@@ -5252,7 +4475,7 @@
                 <a:ea typeface="+mn-ea"/>
                 <a:cs typeface="+mn-cs"/>
               </a:rPr>
-              <a:t>2/22/2019 8:45 PM</a:t>
+              <a:t>4/16/2019 10:46 AM</a:t>
             </a:fld>
             <a:endParaRPr kumimoji="0" lang="en-US" sz="1200" b="0" i="0" u="none" strike="noStrike" kern="1200" cap="none" spc="0" normalizeH="0" baseline="0" noProof="0" dirty="0">
               <a:ln>
@@ -5357,7 +4580,7 @@
     </p:spTree>
     <p:extLst>
       <p:ext uri="{BB962C8B-B14F-4D97-AF65-F5344CB8AC3E}">
-        <p14:creationId xmlns:p14="http://schemas.microsoft.com/office/powerpoint/2010/main" val="2339353874"/>
+        <p14:creationId xmlns:p14="http://schemas.microsoft.com/office/powerpoint/2010/main" val="2290247001"/>
       </p:ext>
     </p:extLst>
   </p:cSld>
@@ -5596,7 +4819,7 @@
                 <a:ea typeface="+mn-ea"/>
                 <a:cs typeface="+mn-cs"/>
               </a:rPr>
-              <a:t>2/22/2019 8:45 PM</a:t>
+              <a:t>4/16/2019 10:46 AM</a:t>
             </a:fld>
             <a:endParaRPr kumimoji="0" lang="en-US" sz="1200" b="0" i="0" u="none" strike="noStrike" kern="1200" cap="none" spc="0" normalizeH="0" baseline="0" noProof="0" dirty="0">
               <a:ln>
@@ -5701,7 +4924,7 @@
     </p:spTree>
     <p:extLst>
       <p:ext uri="{BB962C8B-B14F-4D97-AF65-F5344CB8AC3E}">
-        <p14:creationId xmlns:p14="http://schemas.microsoft.com/office/powerpoint/2010/main" val="2290247001"/>
+        <p14:creationId xmlns:p14="http://schemas.microsoft.com/office/powerpoint/2010/main" val="702916380"/>
       </p:ext>
     </p:extLst>
   </p:cSld>
@@ -11886,233 +11109,6 @@
       </p:sp>
       <p:sp>
         <p:nvSpPr>
-          <p:cNvPr id="5" name="TextBox 4">
-            <a:extLst>
-              <a:ext uri="{FF2B5EF4-FFF2-40B4-BE49-F238E27FC236}">
-                <a16:creationId xmlns:a16="http://schemas.microsoft.com/office/drawing/2014/main" id="{9E6A2D7A-E911-4AF1-A1D9-BC4A59091828}"/>
-              </a:ext>
-            </a:extLst>
-          </p:cNvPr>
-          <p:cNvSpPr txBox="1"/>
-          <p:nvPr/>
-        </p:nvSpPr>
-        <p:spPr>
-          <a:xfrm>
-            <a:off x="576699" y="2545456"/>
-            <a:ext cx="8924350" cy="1120654"/>
-          </a:xfrm>
-          <a:prstGeom prst="rect">
-            <a:avLst/>
-          </a:prstGeom>
-          <a:noFill/>
-        </p:spPr>
-        <p:txBody>
-          <a:bodyPr wrap="square" lIns="179285" tIns="143428" rIns="179285" bIns="143428" rtlCol="0">
-            <a:spAutoFit/>
-          </a:bodyPr>
-          <a:lstStyle/>
-          <a:p>
-            <a:pPr>
-              <a:lnSpc>
-                <a:spcPct val="90000"/>
-              </a:lnSpc>
-              <a:spcAft>
-                <a:spcPts val="588"/>
-              </a:spcAft>
-            </a:pPr>
-            <a:r>
-              <a:rPr lang="en-US" sz="6000" dirty="0">
-                <a:gradFill>
-                  <a:gsLst>
-                    <a:gs pos="2917">
-                      <a:schemeClr val="tx1"/>
-                    </a:gs>
-                    <a:gs pos="30000">
-                      <a:schemeClr val="tx1"/>
-                    </a:gs>
-                  </a:gsLst>
-                  <a:lin ang="5400000" scaled="0"/>
-                </a:gradFill>
-                <a:hlinkClick r:id="rId3"/>
-              </a:rPr>
-              <a:t>https://aka.ms/kmb</a:t>
-            </a:r>
-            <a:r>
-              <a:rPr lang="en-US" sz="6000" dirty="0">
-                <a:gradFill>
-                  <a:gsLst>
-                    <a:gs pos="2917">
-                      <a:schemeClr val="tx1"/>
-                    </a:gs>
-                    <a:gs pos="30000">
-                      <a:schemeClr val="tx1"/>
-                    </a:gs>
-                  </a:gsLst>
-                  <a:lin ang="5400000" scaled="0"/>
-                </a:gradFill>
-              </a:rPr>
-              <a:t>   </a:t>
-            </a:r>
-          </a:p>
-        </p:txBody>
-      </p:sp>
-    </p:spTree>
-    <p:extLst>
-      <p:ext uri="{BB962C8B-B14F-4D97-AF65-F5344CB8AC3E}">
-        <p14:creationId xmlns:p14="http://schemas.microsoft.com/office/powerpoint/2010/main" val="3621237086"/>
-      </p:ext>
-    </p:extLst>
-  </p:cSld>
-  <p:clrMapOvr>
-    <a:masterClrMapping/>
-  </p:clrMapOvr>
-  <p:transition>
-    <p:fade/>
-  </p:transition>
-  <p:timing>
-    <p:tnLst>
-      <p:par>
-        <p:cTn id="1" dur="indefinite" restart="never" nodeType="tmRoot">
-          <p:childTnLst>
-            <p:seq concurrent="1" nextAc="seek">
-              <p:cTn id="2" dur="indefinite" nodeType="mainSeq">
-                <p:childTnLst>
-                  <p:par>
-                    <p:cTn id="3" fill="hold">
-                      <p:stCondLst>
-                        <p:cond delay="indefinite"/>
-                      </p:stCondLst>
-                      <p:childTnLst>
-                        <p:par>
-                          <p:cTn id="4" fill="hold">
-                            <p:stCondLst>
-                              <p:cond delay="0"/>
-                            </p:stCondLst>
-                            <p:childTnLst>
-                              <p:par>
-                                <p:cTn id="5" presetID="1" presetClass="entr" presetSubtype="0" fill="hold" grpId="0" nodeType="clickEffect">
-                                  <p:stCondLst>
-                                    <p:cond delay="0"/>
-                                  </p:stCondLst>
-                                  <p:childTnLst>
-                                    <p:set>
-                                      <p:cBhvr>
-                                        <p:cTn id="6" dur="1" fill="hold">
-                                          <p:stCondLst>
-                                            <p:cond delay="0"/>
-                                          </p:stCondLst>
-                                        </p:cTn>
-                                        <p:tgtEl>
-                                          <p:spTgt spid="5"/>
-                                        </p:tgtEl>
-                                        <p:attrNameLst>
-                                          <p:attrName>style.visibility</p:attrName>
-                                        </p:attrNameLst>
-                                      </p:cBhvr>
-                                      <p:to>
-                                        <p:strVal val="visible"/>
-                                      </p:to>
-                                    </p:set>
-                                  </p:childTnLst>
-                                </p:cTn>
-                              </p:par>
-                            </p:childTnLst>
-                          </p:cTn>
-                        </p:par>
-                      </p:childTnLst>
-                    </p:cTn>
-                  </p:par>
-                </p:childTnLst>
-              </p:cTn>
-              <p:prevCondLst>
-                <p:cond evt="onPrev" delay="0">
-                  <p:tgtEl>
-                    <p:sldTgt/>
-                  </p:tgtEl>
-                </p:cond>
-              </p:prevCondLst>
-              <p:nextCondLst>
-                <p:cond evt="onNext" delay="0">
-                  <p:tgtEl>
-                    <p:sldTgt/>
-                  </p:tgtEl>
-                </p:cond>
-              </p:nextCondLst>
-            </p:seq>
-          </p:childTnLst>
-        </p:cTn>
-      </p:par>
-    </p:tnLst>
-    <p:bldLst>
-      <p:bldP spid="5" grpId="0"/>
-    </p:bldLst>
-  </p:timing>
-</p:sld>
-</file>
-
-<file path=ppt/slides/slide11.xml><?xml version="1.0" encoding="utf-8"?>
-<p:sld xmlns:a="http://schemas.openxmlformats.org/drawingml/2006/main" xmlns:r="http://schemas.openxmlformats.org/officeDocument/2006/relationships" xmlns:p="http://schemas.openxmlformats.org/presentationml/2006/main">
-  <p:cSld>
-    <p:spTree>
-      <p:nvGrpSpPr>
-        <p:cNvPr id="1" name=""/>
-        <p:cNvGrpSpPr/>
-        <p:nvPr/>
-      </p:nvGrpSpPr>
-      <p:grpSpPr>
-        <a:xfrm>
-          <a:off x="0" y="0"/>
-          <a:ext cx="0" cy="0"/>
-          <a:chOff x="0" y="0"/>
-          <a:chExt cx="0" cy="0"/>
-        </a:xfrm>
-      </p:grpSpPr>
-      <p:sp>
-        <p:nvSpPr>
-          <p:cNvPr id="2" name="Title 1"/>
-          <p:cNvSpPr>
-            <a:spLocks noGrp="1"/>
-          </p:cNvSpPr>
-          <p:nvPr>
-            <p:ph type="title"/>
-          </p:nvPr>
-        </p:nvSpPr>
-        <p:spPr>
-          <a:xfrm>
-            <a:off x="576699" y="448699"/>
-            <a:ext cx="10801919" cy="553998"/>
-          </a:xfrm>
-        </p:spPr>
-        <p:txBody>
-          <a:bodyPr/>
-          <a:lstStyle/>
-          <a:p>
-            <a:pPr>
-              <a:spcAft>
-                <a:spcPts val="588"/>
-              </a:spcAft>
-            </a:pPr>
-            <a:r>
-              <a:rPr lang="en-US" dirty="0">
-                <a:gradFill>
-                  <a:gsLst>
-                    <a:gs pos="2917">
-                      <a:schemeClr val="tx1"/>
-                    </a:gs>
-                    <a:gs pos="30000">
-                      <a:schemeClr val="tx1"/>
-                    </a:gs>
-                  </a:gsLst>
-                  <a:lin ang="5400000" scaled="0"/>
-                </a:gradFill>
-              </a:rPr>
-              <a:t>LearnAI – Knowledge Mining Bootcamp</a:t>
-            </a:r>
-          </a:p>
-        </p:txBody>
-      </p:sp>
-      <p:sp>
-        <p:nvSpPr>
           <p:cNvPr id="4" name="TextBox 3">
             <a:extLst>
               <a:ext uri="{FF2B5EF4-FFF2-40B4-BE49-F238E27FC236}">
@@ -12126,7 +11122,7 @@
         <p:spPr>
           <a:xfrm>
             <a:off x="447923" y="1318022"/>
-            <a:ext cx="7193848" cy="2585323"/>
+            <a:ext cx="7193848" cy="3447098"/>
           </a:xfrm>
           <a:prstGeom prst="rect">
             <a:avLst/>
@@ -12205,7 +11201,7 @@
                   <a:lin ang="5400000" scaled="0"/>
                 </a:gradFill>
               </a:rPr>
-              <a:t>1) Lunch will be in the Commons</a:t>
+              <a:t>1) </a:t>
             </a:r>
           </a:p>
           <a:p>
@@ -12240,7 +11236,42 @@
                   <a:lin ang="5400000" scaled="0"/>
                 </a:gradFill>
               </a:rPr>
-              <a:t>2) Restart at 1 PM</a:t>
+              <a:t>2) </a:t>
+            </a:r>
+          </a:p>
+          <a:p>
+            <a:pPr algn="l"/>
+            <a:endParaRPr lang="en-US" sz="2800" b="1" dirty="0">
+              <a:gradFill>
+                <a:gsLst>
+                  <a:gs pos="2917">
+                    <a:schemeClr val="tx1"/>
+                  </a:gs>
+                  <a:gs pos="30000">
+                    <a:schemeClr val="tx1"/>
+                  </a:gs>
+                </a:gsLst>
+                <a:lin ang="5400000" scaled="0"/>
+              </a:gradFill>
+            </a:endParaRPr>
+          </a:p>
+          <a:p>
+            <a:pPr algn="l"/>
+            <a:r>
+              <a:rPr lang="en-US" sz="2800" b="1" dirty="0">
+                <a:gradFill>
+                  <a:gsLst>
+                    <a:gs pos="2917">
+                      <a:schemeClr val="tx1"/>
+                    </a:gs>
+                    <a:gs pos="30000">
+                      <a:schemeClr val="tx1"/>
+                    </a:gs>
+                  </a:gsLst>
+                  <a:lin ang="5400000" scaled="0"/>
+                </a:gradFill>
+              </a:rPr>
+              <a:t>…</a:t>
             </a:r>
             <a:endParaRPr lang="en-US" sz="2800" dirty="0">
               <a:gradFill>
@@ -12274,192 +11305,7 @@
 </p:sld>
 </file>
 
-<file path=ppt/slides/slide12.xml><?xml version="1.0" encoding="utf-8"?>
-<p:sld xmlns:a="http://schemas.openxmlformats.org/drawingml/2006/main" xmlns:r="http://schemas.openxmlformats.org/officeDocument/2006/relationships" xmlns:p="http://schemas.openxmlformats.org/presentationml/2006/main">
-  <p:cSld>
-    <p:spTree>
-      <p:nvGrpSpPr>
-        <p:cNvPr id="1" name=""/>
-        <p:cNvGrpSpPr/>
-        <p:nvPr/>
-      </p:nvGrpSpPr>
-      <p:grpSpPr>
-        <a:xfrm>
-          <a:off x="0" y="0"/>
-          <a:ext cx="0" cy="0"/>
-          <a:chOff x="0" y="0"/>
-          <a:chExt cx="0" cy="0"/>
-        </a:xfrm>
-      </p:grpSpPr>
-      <p:sp>
-        <p:nvSpPr>
-          <p:cNvPr id="2" name="Title 1"/>
-          <p:cNvSpPr>
-            <a:spLocks noGrp="1"/>
-          </p:cNvSpPr>
-          <p:nvPr>
-            <p:ph type="title"/>
-          </p:nvPr>
-        </p:nvSpPr>
-        <p:spPr>
-          <a:xfrm>
-            <a:off x="584200" y="457200"/>
-            <a:ext cx="11018520" cy="553998"/>
-          </a:xfrm>
-        </p:spPr>
-        <p:txBody>
-          <a:bodyPr/>
-          <a:lstStyle/>
-          <a:p>
-            <a:r>
-              <a:rPr lang="en-US"/>
-              <a:t>Quick Orientations – Day 2</a:t>
-            </a:r>
-            <a:endParaRPr lang="en-US" dirty="0"/>
-          </a:p>
-        </p:txBody>
-      </p:sp>
-      <p:sp>
-        <p:nvSpPr>
-          <p:cNvPr id="3" name="Text Placeholder 2"/>
-          <p:cNvSpPr>
-            <a:spLocks noGrp="1"/>
-          </p:cNvSpPr>
-          <p:nvPr>
-            <p:ph type="body" sz="quarter" idx="10"/>
-          </p:nvPr>
-        </p:nvSpPr>
-        <p:spPr>
-          <a:xfrm>
-            <a:off x="584200" y="1435497"/>
-            <a:ext cx="11018520" cy="4874924"/>
-          </a:xfrm>
-        </p:spPr>
-        <p:txBody>
-          <a:bodyPr/>
-          <a:lstStyle/>
-          <a:p>
-            <a:pPr>
-              <a:lnSpc>
-                <a:spcPct val="150000"/>
-              </a:lnSpc>
-            </a:pPr>
-            <a:r>
-              <a:rPr lang="en-US" dirty="0">
-                <a:latin typeface="+mn-lt"/>
-              </a:rPr>
-              <a:t>Custom Skills Lab - Create the moderated text field as Boolean and filterable </a:t>
-            </a:r>
-          </a:p>
-          <a:p>
-            <a:pPr>
-              <a:lnSpc>
-                <a:spcPct val="150000"/>
-              </a:lnSpc>
-            </a:pPr>
-            <a:r>
-              <a:rPr lang="en-US" dirty="0">
-                <a:latin typeface="+mn-lt"/>
-              </a:rPr>
-              <a:t>Search for moderated documents using:</a:t>
-            </a:r>
-          </a:p>
-          <a:p>
-            <a:pPr marL="228600" lvl="1" indent="0">
-              <a:lnSpc>
-                <a:spcPct val="150000"/>
-              </a:lnSpc>
-              <a:buNone/>
-            </a:pPr>
-            <a:r>
-              <a:rPr lang="en-US" sz="2800" dirty="0"/>
-              <a:t>$select=</a:t>
-            </a:r>
-            <a:r>
-              <a:rPr lang="en-US" sz="2800" dirty="0" err="1"/>
-              <a:t>blob_uri,ModeratedText</a:t>
-            </a:r>
-            <a:r>
-              <a:rPr lang="en-US" sz="2800" dirty="0"/>
-              <a:t>&amp;$filter=</a:t>
-            </a:r>
-            <a:r>
-              <a:rPr lang="en-US" sz="2800" dirty="0" err="1"/>
-              <a:t>ModeratedText</a:t>
-            </a:r>
-            <a:r>
-              <a:rPr lang="en-US" sz="2800" dirty="0"/>
-              <a:t> eq true</a:t>
-            </a:r>
-          </a:p>
-          <a:p>
-            <a:pPr lvl="1">
-              <a:lnSpc>
-                <a:spcPct val="150000"/>
-              </a:lnSpc>
-            </a:pPr>
-            <a:r>
-              <a:rPr lang="en-US" sz="2800" dirty="0"/>
-              <a:t>Run the Bot Emulator as Administrator</a:t>
-            </a:r>
-          </a:p>
-          <a:p>
-            <a:pPr lvl="1">
-              <a:lnSpc>
-                <a:spcPct val="150000"/>
-              </a:lnSpc>
-            </a:pPr>
-            <a:r>
-              <a:rPr lang="en-US" sz="2800" dirty="0"/>
-              <a:t>The other Azure Search solution</a:t>
-            </a:r>
-          </a:p>
-          <a:p>
-            <a:pPr marL="228600" lvl="1" indent="0">
-              <a:lnSpc>
-                <a:spcPct val="150000"/>
-              </a:lnSpc>
-              <a:buNone/>
-            </a:pPr>
-            <a:r>
-              <a:rPr lang="en-US" sz="2800" dirty="0">
-                <a:hlinkClick r:id="rId3"/>
-              </a:rPr>
-              <a:t>https://github.com/Rodrigossz/AzureCognitiveSkill</a:t>
-            </a:r>
-            <a:r>
-              <a:rPr lang="en-US" sz="2800" dirty="0"/>
-              <a:t> </a:t>
-            </a:r>
-          </a:p>
-        </p:txBody>
-      </p:sp>
-    </p:spTree>
-    <p:extLst>
-      <p:ext uri="{BB962C8B-B14F-4D97-AF65-F5344CB8AC3E}">
-        <p14:creationId xmlns:p14="http://schemas.microsoft.com/office/powerpoint/2010/main" val="2904293242"/>
-      </p:ext>
-    </p:extLst>
-  </p:cSld>
-  <p:clrMapOvr>
-    <a:masterClrMapping/>
-  </p:clrMapOvr>
-  <mc:AlternateContent xmlns:mc="http://schemas.openxmlformats.org/markup-compatibility/2006" xmlns:p14="http://schemas.microsoft.com/office/powerpoint/2010/main">
-    <mc:Choice Requires="p14">
-      <p:transition spd="med" p14:dur="700">
-        <p:fade/>
-      </p:transition>
-    </mc:Choice>
-    <mc:Fallback xmlns="">
-      <p:transition spd="med">
-        <p:fade/>
-      </p:transition>
-    </mc:Fallback>
-  </mc:AlternateContent>
-</p:sld>
-</file>
-
-<file path=ppt/slides/slide13.xml><?xml version="1.0" encoding="utf-8"?>
+<file path=ppt/slides/slide11.xml><?xml version="1.0" encoding="utf-8"?>
 <p:sld xmlns:a="http://schemas.openxmlformats.org/drawingml/2006/main" xmlns:r="http://schemas.openxmlformats.org/officeDocument/2006/relationships" xmlns:p="http://schemas.openxmlformats.org/presentationml/2006/main">
   <p:cSld>
     <p:spTree>
@@ -13281,8 +12127,8 @@
         </p:nvSpPr>
         <p:spPr bwMode="auto">
           <a:xfrm>
-            <a:off x="6738730" y="2955235"/>
-            <a:ext cx="4731468" cy="3703983"/>
+            <a:off x="7036550" y="1961423"/>
+            <a:ext cx="5155450" cy="4704775"/>
           </a:xfrm>
           <a:prstGeom prst="irregularSeal1">
             <a:avLst/>
@@ -13341,7 +12187,7 @@
                 <a:ea typeface="Segoe UI" pitchFamily="34" charset="0"/>
                 <a:cs typeface="Segoe UI" pitchFamily="34" charset="0"/>
               </a:rPr>
-              <a:t>Top 1 AI Service on Azure!!</a:t>
+              <a:t>One of the TOP AI Services on Azure!!</a:t>
             </a:r>
           </a:p>
         </p:txBody>
@@ -14511,7 +13357,7 @@
           <a:p>
             <a:r>
               <a:rPr lang="en-US" dirty="0"/>
-              <a:t>Quick Requests</a:t>
+              <a:t>Asks</a:t>
             </a:r>
           </a:p>
         </p:txBody>
@@ -14529,7 +13375,7 @@
         <p:spPr>
           <a:xfrm>
             <a:off x="584200" y="1435497"/>
-            <a:ext cx="11018520" cy="5152757"/>
+            <a:ext cx="11018520" cy="2222724"/>
           </a:xfrm>
         </p:spPr>
         <p:txBody>
@@ -14543,59 +13389,7 @@
             </a:pPr>
             <a:r>
               <a:rPr lang="en-US" sz="3200" dirty="0"/>
-              <a:t>Azure Search Deployments</a:t>
-            </a:r>
-          </a:p>
-          <a:p>
-            <a:pPr lvl="1">
-              <a:lnSpc>
-                <a:spcPct val="150000"/>
-              </a:lnSpc>
-            </a:pPr>
-            <a:r>
-              <a:rPr lang="en-US" sz="2400" dirty="0"/>
-              <a:t>50% West Europe</a:t>
-            </a:r>
-          </a:p>
-          <a:p>
-            <a:pPr lvl="1">
-              <a:lnSpc>
-                <a:spcPct val="150000"/>
-              </a:lnSpc>
-            </a:pPr>
-            <a:r>
-              <a:rPr lang="en-US" sz="2400" dirty="0"/>
-              <a:t>50% South Central US</a:t>
-            </a:r>
-          </a:p>
-          <a:p>
-            <a:pPr>
-              <a:lnSpc>
-                <a:spcPct val="150000"/>
-              </a:lnSpc>
-            </a:pPr>
-            <a:r>
-              <a:rPr lang="en-US" sz="3200" dirty="0"/>
               <a:t>Patience with Postman, It's worth it</a:t>
-            </a:r>
-          </a:p>
-          <a:p>
-            <a:pPr>
-              <a:lnSpc>
-                <a:spcPct val="150000"/>
-              </a:lnSpc>
-            </a:pPr>
-            <a:r>
-              <a:rPr lang="en-US" sz="3200" dirty="0"/>
-              <a:t>Patience with us, today is the 1</a:t>
-            </a:r>
-            <a:r>
-              <a:rPr lang="en-US" sz="3200" baseline="30000" dirty="0"/>
-              <a:t>st</a:t>
-            </a:r>
-            <a:r>
-              <a:rPr lang="en-US" sz="3200" dirty="0"/>
-              <a:t> delivery of this training</a:t>
             </a:r>
           </a:p>
           <a:p>
@@ -14692,7 +13486,7 @@
                   <a:lin ang="5400000" scaled="0"/>
                 </a:gradFill>
               </a:rPr>
-              <a:t>KMB - Agenda</a:t>
+              <a:t>AI Breaking News</a:t>
             </a:r>
           </a:p>
         </p:txBody>
@@ -14711,8 +13505,8 @@
         </p:nvSpPr>
         <p:spPr>
           <a:xfrm>
-            <a:off x="447923" y="1318022"/>
-            <a:ext cx="7193848" cy="4924425"/>
+            <a:off x="447922" y="1318022"/>
+            <a:ext cx="11502777" cy="3530967"/>
           </a:xfrm>
           <a:prstGeom prst="rect">
             <a:avLst/>
@@ -14725,381 +13519,124 @@
           </a:bodyPr>
           <a:lstStyle/>
           <a:p>
-            <a:pPr algn="l"/>
-            <a:r>
-              <a:rPr lang="en-US" sz="2000" b="1" dirty="0">
-                <a:gradFill>
-                  <a:gsLst>
-                    <a:gs pos="2917">
-                      <a:schemeClr val="tx1"/>
-                    </a:gs>
-                    <a:gs pos="30000">
-                      <a:schemeClr val="tx1"/>
-                    </a:gs>
-                  </a:gsLst>
-                  <a:lin ang="5400000" scaled="0"/>
-                </a:gradFill>
-              </a:rPr>
-              <a:t>Day</a:t>
-            </a:r>
-            <a:r>
-              <a:rPr lang="en-US" sz="2000" dirty="0">
-                <a:gradFill>
-                  <a:gsLst>
-                    <a:gs pos="2917">
-                      <a:schemeClr val="tx1"/>
-                    </a:gs>
-                    <a:gs pos="30000">
-                      <a:schemeClr val="tx1"/>
-                    </a:gs>
-                  </a:gsLst>
-                  <a:lin ang="5400000" scaled="0"/>
-                </a:gradFill>
-              </a:rPr>
-              <a:t> </a:t>
-            </a:r>
-            <a:r>
-              <a:rPr lang="en-US" sz="2000" b="1" dirty="0">
-                <a:gradFill>
-                  <a:gsLst>
-                    <a:gs pos="2917">
-                      <a:schemeClr val="tx1"/>
-                    </a:gs>
-                    <a:gs pos="30000">
-                      <a:schemeClr val="tx1"/>
-                    </a:gs>
-                  </a:gsLst>
-                  <a:lin ang="5400000" scaled="0"/>
-                </a:gradFill>
-              </a:rPr>
-              <a:t>1</a:t>
-            </a:r>
-          </a:p>
-          <a:p>
-            <a:pPr marL="342900" indent="-342900">
+            <a:pPr marL="285750" indent="-285750">
               <a:buFont typeface="Arial" panose="020B0604020202020204" pitchFamily="34" charset="0"/>
               <a:buChar char="•"/>
             </a:pPr>
             <a:r>
-              <a:rPr lang="en-US" sz="2000" dirty="0">
-                <a:gradFill>
-                  <a:gsLst>
-                    <a:gs pos="2917">
-                      <a:schemeClr val="tx1"/>
-                    </a:gs>
-                    <a:gs pos="30000">
-                      <a:schemeClr val="tx1"/>
-                    </a:gs>
-                  </a:gsLst>
-                  <a:lin ang="5400000" scaled="0"/>
-                </a:gradFill>
+              <a:rPr lang="en-US" b="1" dirty="0"/>
+              <a:t>Container support in Azure Cognitive Services</a:t>
+            </a:r>
+          </a:p>
+          <a:p>
+            <a:r>
+              <a:rPr lang="en-US" b="1" dirty="0">
+                <a:hlinkClick r:id="rId3"/>
               </a:rPr>
-              <a:t>Introduction, Architecture: 9 AM – 10 AM</a:t>
-            </a:r>
-          </a:p>
-          <a:p>
-            <a:pPr marL="342900" indent="-342900">
+              <a:t>https://docs.microsoft.com/en-us/azure/cognitive-services/cognitive-services-container-support</a:t>
+            </a:r>
+            <a:r>
+              <a:rPr lang="en-US" b="1" dirty="0"/>
+              <a:t> </a:t>
+            </a:r>
+          </a:p>
+          <a:p>
+            <a:endParaRPr lang="en-US" b="1" dirty="0"/>
+          </a:p>
+          <a:p>
+            <a:endParaRPr lang="en-US" b="1" dirty="0"/>
+          </a:p>
+          <a:p>
+            <a:pPr marL="285750" indent="-285750">
               <a:buFont typeface="Arial" panose="020B0604020202020204" pitchFamily="34" charset="0"/>
               <a:buChar char="•"/>
             </a:pPr>
             <a:r>
-              <a:rPr lang="en-US" sz="2000" dirty="0">
-                <a:gradFill>
-                  <a:gsLst>
-                    <a:gs pos="2917">
-                      <a:schemeClr val="tx1"/>
-                    </a:gs>
-                    <a:gs pos="30000">
-                      <a:schemeClr val="tx1"/>
-                    </a:gs>
-                  </a:gsLst>
-                  <a:lin ang="5400000" scaled="0"/>
-                </a:gradFill>
+              <a:rPr lang="en-US" b="1" dirty="0"/>
+              <a:t>Power BI delivers AI power</a:t>
+            </a:r>
+          </a:p>
+          <a:p>
+            <a:r>
+              <a:rPr lang="en-US" b="1" dirty="0">
+                <a:hlinkClick r:id="rId4"/>
               </a:rPr>
-              <a:t>Break</a:t>
-            </a:r>
-          </a:p>
-          <a:p>
-            <a:pPr marL="342900" indent="-342900">
+              <a:t>https://www.zdnet.com/article/power-bi-delivers-ai-power/</a:t>
+            </a:r>
+            <a:r>
+              <a:rPr lang="en-US" b="1" dirty="0"/>
+              <a:t> </a:t>
+            </a:r>
+          </a:p>
+          <a:p>
+            <a:endParaRPr lang="en-US" b="1" dirty="0"/>
+          </a:p>
+          <a:p>
+            <a:pPr marL="285750" indent="-285750">
               <a:buFont typeface="Arial" panose="020B0604020202020204" pitchFamily="34" charset="0"/>
               <a:buChar char="•"/>
             </a:pPr>
             <a:r>
-              <a:rPr lang="en-US" sz="2000" dirty="0">
-                <a:gradFill>
-                  <a:gsLst>
-                    <a:gs pos="2917">
-                      <a:schemeClr val="tx1"/>
-                    </a:gs>
-                    <a:gs pos="30000">
-                      <a:schemeClr val="tx1"/>
-                    </a:gs>
-                  </a:gsLst>
-                  <a:lin ang="5400000" scaled="0"/>
-                </a:gradFill>
-              </a:rPr>
-              <a:t>Lab 1 - Environment Creation: 10 AM – 11 PM</a:t>
-            </a:r>
-          </a:p>
-          <a:p>
-            <a:pPr marL="342900" indent="-342900">
+              <a:rPr lang="en-US" b="1" dirty="0"/>
+              <a:t>New Certifications! Beta for a </a:t>
+            </a:r>
+            <a:r>
+              <a:rPr lang="en-US" b="1"/>
+              <a:t>limited time!</a:t>
+            </a:r>
+            <a:endParaRPr lang="en-US" b="1" dirty="0"/>
+          </a:p>
+          <a:p>
+            <a:pPr marL="742933" lvl="1" indent="-285750">
               <a:buFont typeface="Arial" panose="020B0604020202020204" pitchFamily="34" charset="0"/>
               <a:buChar char="•"/>
             </a:pPr>
             <a:r>
-              <a:rPr lang="en-US" sz="2000" dirty="0">
-                <a:gradFill>
-                  <a:gsLst>
-                    <a:gs pos="2917">
-                      <a:schemeClr val="tx1"/>
-                    </a:gs>
-                    <a:gs pos="30000">
-                      <a:schemeClr val="tx1"/>
-                    </a:gs>
-                  </a:gsLst>
-                  <a:lin ang="5400000" scaled="0"/>
-                </a:gradFill>
-              </a:rPr>
-              <a:t>Lab 2 - Azure Search: 11 AM – 12 PM</a:t>
-            </a:r>
-          </a:p>
-          <a:p>
-            <a:pPr marL="342900" indent="-342900">
+              <a:rPr lang="en-US" b="1" dirty="0"/>
+              <a:t>Azure Data Engineer</a:t>
+            </a:r>
+          </a:p>
+          <a:p>
+            <a:pPr marL="742933" lvl="1" indent="-285750">
               <a:buFont typeface="Arial" panose="020B0604020202020204" pitchFamily="34" charset="0"/>
               <a:buChar char="•"/>
             </a:pPr>
             <a:r>
-              <a:rPr lang="en-US" sz="2000" dirty="0">
-                <a:gradFill>
-                  <a:gsLst>
-                    <a:gs pos="2917">
-                      <a:schemeClr val="tx1"/>
-                    </a:gs>
-                    <a:gs pos="30000">
-                      <a:schemeClr val="tx1"/>
-                    </a:gs>
-                  </a:gsLst>
-                  <a:lin ang="5400000" scaled="0"/>
-                </a:gradFill>
-              </a:rPr>
-              <a:t>Lunch</a:t>
-            </a:r>
-          </a:p>
-          <a:p>
-            <a:pPr marL="342900" indent="-342900">
+              <a:rPr lang="en-US" b="1" dirty="0"/>
+              <a:t>Azure AI Engineer</a:t>
+            </a:r>
+          </a:p>
+          <a:p>
+            <a:pPr marL="742933" lvl="1" indent="-285750">
               <a:buFont typeface="Arial" panose="020B0604020202020204" pitchFamily="34" charset="0"/>
               <a:buChar char="•"/>
             </a:pPr>
             <a:r>
-              <a:rPr lang="en-US" sz="2000" dirty="0">
-                <a:gradFill>
-                  <a:gsLst>
-                    <a:gs pos="2917">
-                      <a:schemeClr val="tx1"/>
-                    </a:gs>
-                    <a:gs pos="30000">
-                      <a:schemeClr val="tx1"/>
-                    </a:gs>
-                  </a:gsLst>
-                  <a:lin ang="5400000" scaled="0"/>
-                </a:gradFill>
+              <a:rPr lang="en-US" b="1" dirty="0"/>
+              <a:t>Azure Data Scientist</a:t>
+            </a:r>
+          </a:p>
+          <a:p>
+            <a:r>
+              <a:rPr lang="en-US" b="1" dirty="0">
+                <a:hlinkClick r:id="rId5"/>
               </a:rPr>
-              <a:t>Lab 3 - Cognitive Search – Text Skills: 1 PM – 2 PM</a:t>
-            </a:r>
-          </a:p>
-          <a:p>
-            <a:pPr marL="342900" indent="-342900">
-              <a:buFont typeface="Arial" panose="020B0604020202020204" pitchFamily="34" charset="0"/>
-              <a:buChar char="•"/>
-            </a:pPr>
-            <a:r>
-              <a:rPr lang="en-US" sz="2000" dirty="0">
-                <a:gradFill>
-                  <a:gsLst>
-                    <a:gs pos="2917">
-                      <a:schemeClr val="tx1"/>
-                    </a:gs>
-                    <a:gs pos="30000">
-                      <a:schemeClr val="tx1"/>
-                    </a:gs>
-                  </a:gsLst>
-                  <a:lin ang="5400000" scaled="0"/>
-                </a:gradFill>
-              </a:rPr>
-              <a:t>Break</a:t>
-            </a:r>
-          </a:p>
-          <a:p>
-            <a:pPr marL="342900" indent="-342900">
-              <a:buFont typeface="Arial" panose="020B0604020202020204" pitchFamily="34" charset="0"/>
-              <a:buChar char="•"/>
-            </a:pPr>
-            <a:r>
-              <a:rPr lang="en-US" sz="2000" dirty="0">
-                <a:gradFill>
-                  <a:gsLst>
-                    <a:gs pos="2917">
-                      <a:schemeClr val="tx1"/>
-                    </a:gs>
-                    <a:gs pos="30000">
-                      <a:schemeClr val="tx1"/>
-                    </a:gs>
-                  </a:gsLst>
-                  <a:lin ang="5400000" scaled="0"/>
-                </a:gradFill>
-              </a:rPr>
-              <a:t>Lab 4 - Cognitive Search – Image Skills: 2 AM – 4 AM</a:t>
-            </a:r>
-          </a:p>
-          <a:p>
-            <a:endParaRPr lang="en-US" sz="2000" dirty="0">
-              <a:gradFill>
-                <a:gsLst>
-                  <a:gs pos="2917">
-                    <a:schemeClr val="tx1"/>
-                  </a:gs>
-                  <a:gs pos="30000">
-                    <a:schemeClr val="tx1"/>
-                  </a:gs>
-                </a:gsLst>
-                <a:lin ang="5400000" scaled="0"/>
-              </a:gradFill>
-            </a:endParaRPr>
-          </a:p>
-          <a:p>
-            <a:r>
-              <a:rPr lang="en-US" sz="2000" b="1" dirty="0">
-                <a:gradFill>
-                  <a:gsLst>
-                    <a:gs pos="2917">
-                      <a:schemeClr val="tx1"/>
-                    </a:gs>
-                    <a:gs pos="30000">
-                      <a:schemeClr val="tx1"/>
-                    </a:gs>
-                  </a:gsLst>
-                  <a:lin ang="5400000" scaled="0"/>
-                </a:gradFill>
-              </a:rPr>
-              <a:t>Day 2</a:t>
-            </a:r>
-          </a:p>
-          <a:p>
-            <a:pPr marL="342900" indent="-342900">
-              <a:buFont typeface="Arial" panose="020B0604020202020204" pitchFamily="34" charset="0"/>
-              <a:buChar char="•"/>
-            </a:pPr>
-            <a:r>
-              <a:rPr lang="en-US" sz="2000" dirty="0">
-                <a:gradFill>
-                  <a:gsLst>
-                    <a:gs pos="2917">
-                      <a:schemeClr val="tx1"/>
-                    </a:gs>
-                    <a:gs pos="30000">
-                      <a:schemeClr val="tx1"/>
-                    </a:gs>
-                  </a:gsLst>
-                  <a:lin ang="5400000" scaled="0"/>
-                </a:gradFill>
-              </a:rPr>
-              <a:t>Lab 5 - Cognitive Search – Custom Skills: 9 AM – 11 PM</a:t>
-            </a:r>
-          </a:p>
-          <a:p>
-            <a:pPr marL="342900" indent="-342900">
-              <a:buFont typeface="Arial" panose="020B0604020202020204" pitchFamily="34" charset="0"/>
-              <a:buChar char="•"/>
-            </a:pPr>
-            <a:r>
-              <a:rPr lang="en-US" sz="2000" dirty="0">
-                <a:gradFill>
-                  <a:gsLst>
-                    <a:gs pos="2917">
-                      <a:schemeClr val="tx1"/>
-                    </a:gs>
-                    <a:gs pos="30000">
-                      <a:schemeClr val="tx1"/>
-                    </a:gs>
-                  </a:gsLst>
-                  <a:lin ang="5400000" scaled="0"/>
-                </a:gradFill>
-              </a:rPr>
-              <a:t>Lab 6 – Bot: 11 AM –  1 PM</a:t>
-            </a:r>
-          </a:p>
-          <a:p>
-            <a:pPr marL="342900" indent="-342900">
-              <a:buFont typeface="Arial" panose="020B0604020202020204" pitchFamily="34" charset="0"/>
-              <a:buChar char="•"/>
-            </a:pPr>
-            <a:r>
-              <a:rPr lang="en-US" sz="2000" dirty="0">
-                <a:gradFill>
-                  <a:gsLst>
-                    <a:gs pos="2917">
-                      <a:schemeClr val="tx1"/>
-                    </a:gs>
-                    <a:gs pos="30000">
-                      <a:schemeClr val="tx1"/>
-                    </a:gs>
-                  </a:gsLst>
-                  <a:lin ang="5400000" scaled="0"/>
-                </a:gradFill>
-              </a:rPr>
-              <a:t>Lunch</a:t>
-            </a:r>
-          </a:p>
-          <a:p>
-            <a:pPr marL="342900" indent="-342900">
-              <a:buFont typeface="Arial" panose="020B0604020202020204" pitchFamily="34" charset="0"/>
-              <a:buChar char="•"/>
-            </a:pPr>
-            <a:r>
-              <a:rPr lang="en-US" sz="2000" dirty="0">
-                <a:gradFill>
-                  <a:gsLst>
-                    <a:gs pos="2917">
-                      <a:schemeClr val="tx1"/>
-                    </a:gs>
-                    <a:gs pos="30000">
-                      <a:schemeClr val="tx1"/>
-                    </a:gs>
-                  </a:gsLst>
-                  <a:lin ang="5400000" scaled="0"/>
-                </a:gradFill>
-              </a:rPr>
-              <a:t>Feedback session – Products and Training: 12 PM – 1 PM</a:t>
-            </a:r>
-          </a:p>
-          <a:p>
-            <a:pPr marL="342900" indent="-342900">
-              <a:buFont typeface="Arial" panose="020B0604020202020204" pitchFamily="34" charset="0"/>
-              <a:buChar char="•"/>
-            </a:pPr>
-            <a:r>
-              <a:rPr lang="en-US" sz="2000" dirty="0">
-                <a:gradFill>
-                  <a:gsLst>
-                    <a:gs pos="2917">
-                      <a:schemeClr val="tx1"/>
-                    </a:gs>
-                    <a:gs pos="30000">
-                      <a:schemeClr val="tx1"/>
-                    </a:gs>
-                  </a:gsLst>
-                  <a:lin ang="5400000" scaled="0"/>
-                </a:gradFill>
-              </a:rPr>
-              <a:t>Lab 7 - Architecture Design Session: 1:30 PM – 2:30 PM</a:t>
-            </a:r>
+              <a:t>https://www.microsoft.com/en-us/learning/browse-new-certification.aspx</a:t>
+            </a:r>
+            <a:r>
+              <a:rPr lang="en-US" b="1" dirty="0"/>
+              <a:t> </a:t>
+            </a:r>
+          </a:p>
+          <a:p>
+            <a:endParaRPr lang="en-US" b="1" dirty="0"/>
           </a:p>
         </p:txBody>
       </p:sp>
     </p:spTree>
     <p:extLst>
       <p:ext uri="{BB962C8B-B14F-4D97-AF65-F5344CB8AC3E}">
-        <p14:creationId xmlns:p14="http://schemas.microsoft.com/office/powerpoint/2010/main" val="2243129615"/>
+        <p14:creationId xmlns:p14="http://schemas.microsoft.com/office/powerpoint/2010/main" val="96372213"/>
       </p:ext>
     </p:extLst>
   </p:cSld>
@@ -15141,19 +13678,14 @@
         </p:nvSpPr>
         <p:spPr>
           <a:xfrm>
-            <a:off x="576699" y="448699"/>
-            <a:ext cx="10801919" cy="553998"/>
+            <a:off x="748977" y="302926"/>
+            <a:ext cx="10801919" cy="1107996"/>
           </a:xfrm>
         </p:spPr>
         <p:txBody>
           <a:bodyPr/>
           <a:lstStyle/>
           <a:p>
-            <a:pPr>
-              <a:spcAft>
-                <a:spcPts val="588"/>
-              </a:spcAft>
-            </a:pPr>
             <a:r>
               <a:rPr lang="en-US" dirty="0">
                 <a:gradFill>
@@ -15168,17 +13700,33 @@
                   <a:lin ang="5400000" scaled="0"/>
                 </a:gradFill>
               </a:rPr>
-              <a:t>AI Breaking News</a:t>
-            </a:r>
+              <a:t>Spektra Environment (If applicable)</a:t>
+            </a:r>
+            <a:br>
+              <a:rPr lang="en-US" dirty="0">
+                <a:gradFill>
+                  <a:gsLst>
+                    <a:gs pos="2917">
+                      <a:schemeClr val="tx1"/>
+                    </a:gs>
+                    <a:gs pos="30000">
+                      <a:schemeClr val="tx1"/>
+                    </a:gs>
+                  </a:gsLst>
+                  <a:lin ang="5400000" scaled="0"/>
+                </a:gradFill>
+              </a:rPr>
+            </a:br>
+            <a:endParaRPr lang="en-US" u="sng" dirty="0"/>
           </a:p>
         </p:txBody>
       </p:sp>
       <p:sp>
         <p:nvSpPr>
-          <p:cNvPr id="3" name="TextBox 2">
+          <p:cNvPr id="4" name="TextBox 3">
             <a:extLst>
               <a:ext uri="{FF2B5EF4-FFF2-40B4-BE49-F238E27FC236}">
-                <a16:creationId xmlns:a16="http://schemas.microsoft.com/office/drawing/2014/main" id="{80CBEF22-6DF8-478F-B0C7-024A03A9753E}"/>
+                <a16:creationId xmlns:a16="http://schemas.microsoft.com/office/drawing/2014/main" id="{C2E14072-CFF1-4148-AA4E-D2E5551FAE59}"/>
               </a:ext>
             </a:extLst>
           </p:cNvPr>
@@ -15187,8 +13735,8 @@
         </p:nvSpPr>
         <p:spPr>
           <a:xfrm>
-            <a:off x="447922" y="1318022"/>
-            <a:ext cx="11502777" cy="3530967"/>
+            <a:off x="271899" y="1583634"/>
+            <a:ext cx="5393405" cy="4924425"/>
           </a:xfrm>
           <a:prstGeom prst="rect">
             <a:avLst/>
@@ -15201,124 +13749,342 @@
           </a:bodyPr>
           <a:lstStyle/>
           <a:p>
-            <a:pPr marL="285750" indent="-285750">
+            <a:pPr marL="342900" marR="0" lvl="0" indent="-342900" algn="l" defTabSz="914367" rtl="0" eaLnBrk="1" fontAlgn="auto" latinLnBrk="0" hangingPunct="1">
+              <a:lnSpc>
+                <a:spcPct val="150000"/>
+              </a:lnSpc>
+              <a:spcBef>
+                <a:spcPts val="0"/>
+              </a:spcBef>
+              <a:spcAft>
+                <a:spcPts val="0"/>
+              </a:spcAft>
+              <a:buClrTx/>
+              <a:buSzTx/>
               <a:buFont typeface="Arial" panose="020B0604020202020204" pitchFamily="34" charset="0"/>
               <a:buChar char="•"/>
+              <a:tabLst/>
+              <a:defRPr/>
             </a:pPr>
             <a:r>
-              <a:rPr lang="en-US" b="1" dirty="0"/>
-              <a:t>Container support in Azure Cognitive Services</a:t>
-            </a:r>
-          </a:p>
-          <a:p>
-            <a:r>
-              <a:rPr lang="en-US" b="1" dirty="0">
+              <a:rPr kumimoji="0" lang="en-US" sz="3200" b="0" i="0" u="none" strike="noStrike" kern="1200" cap="none" spc="0" normalizeH="0" baseline="0" noProof="0" dirty="0">
+                <a:ln>
+                  <a:noFill/>
+                </a:ln>
+                <a:gradFill>
+                  <a:gsLst>
+                    <a:gs pos="2917">
+                      <a:srgbClr val="1A1A1A"/>
+                    </a:gs>
+                    <a:gs pos="30000">
+                      <a:srgbClr val="1A1A1A"/>
+                    </a:gs>
+                  </a:gsLst>
+                  <a:lin ang="5400000" scaled="0"/>
+                </a:gradFill>
+                <a:effectLst/>
+                <a:uLnTx/>
+                <a:uFillTx/>
+                <a:ea typeface="+mn-ea"/>
+                <a:cs typeface="+mn-cs"/>
+              </a:rPr>
+              <a:t>Training Environment</a:t>
+            </a:r>
+          </a:p>
+          <a:p>
+            <a:pPr marL="800083" marR="0" lvl="1" indent="-342900" algn="l" defTabSz="914367" rtl="0" eaLnBrk="1" fontAlgn="auto" latinLnBrk="0" hangingPunct="1">
+              <a:lnSpc>
+                <a:spcPct val="150000"/>
+              </a:lnSpc>
+              <a:spcBef>
+                <a:spcPts val="0"/>
+              </a:spcBef>
+              <a:spcAft>
+                <a:spcPts val="0"/>
+              </a:spcAft>
+              <a:buClrTx/>
+              <a:buSzTx/>
+              <a:buFont typeface="Arial" panose="020B0604020202020204" pitchFamily="34" charset="0"/>
+              <a:buChar char="•"/>
+              <a:tabLst/>
+              <a:defRPr/>
+            </a:pPr>
+            <a:r>
+              <a:rPr kumimoji="0" lang="en-US" sz="3200" b="0" i="0" u="none" strike="noStrike" kern="1200" cap="none" spc="0" normalizeH="0" baseline="0" noProof="0" dirty="0">
+                <a:ln>
+                  <a:noFill/>
+                </a:ln>
+                <a:gradFill>
+                  <a:gsLst>
+                    <a:gs pos="2917">
+                      <a:srgbClr val="1A1A1A"/>
+                    </a:gs>
+                    <a:gs pos="30000">
+                      <a:srgbClr val="1A1A1A"/>
+                    </a:gs>
+                  </a:gsLst>
+                  <a:lin ang="5400000" scaled="0"/>
+                </a:gradFill>
+                <a:effectLst/>
+                <a:uLnTx/>
+                <a:uFillTx/>
+                <a:ea typeface="+mn-ea"/>
+                <a:cs typeface="+mn-cs"/>
+              </a:rPr>
+              <a:t>Azure Account</a:t>
+            </a:r>
+          </a:p>
+          <a:p>
+            <a:pPr marL="800083" marR="0" lvl="1" indent="-342900" algn="l" defTabSz="914367" rtl="0" eaLnBrk="1" fontAlgn="auto" latinLnBrk="0" hangingPunct="1">
+              <a:lnSpc>
+                <a:spcPct val="150000"/>
+              </a:lnSpc>
+              <a:spcBef>
+                <a:spcPts val="0"/>
+              </a:spcBef>
+              <a:spcAft>
+                <a:spcPts val="0"/>
+              </a:spcAft>
+              <a:buClrTx/>
+              <a:buSzTx/>
+              <a:buFont typeface="Arial" panose="020B0604020202020204" pitchFamily="34" charset="0"/>
+              <a:buChar char="•"/>
+              <a:tabLst/>
+              <a:defRPr/>
+            </a:pPr>
+            <a:r>
+              <a:rPr kumimoji="0" lang="en-US" sz="3200" b="0" i="0" u="none" strike="noStrike" kern="1200" cap="none" spc="0" normalizeH="0" baseline="0" noProof="0" dirty="0">
+                <a:ln>
+                  <a:noFill/>
+                </a:ln>
+                <a:gradFill>
+                  <a:gsLst>
+                    <a:gs pos="2917">
+                      <a:srgbClr val="1A1A1A"/>
+                    </a:gs>
+                    <a:gs pos="30000">
+                      <a:srgbClr val="1A1A1A"/>
+                    </a:gs>
+                  </a:gsLst>
+                  <a:lin ang="5400000" scaled="0"/>
+                </a:gradFill>
+                <a:effectLst/>
+                <a:uLnTx/>
+                <a:uFillTx/>
+                <a:ea typeface="+mn-ea"/>
+                <a:cs typeface="+mn-cs"/>
+              </a:rPr>
+              <a:t>DSVM</a:t>
+            </a:r>
+          </a:p>
+          <a:p>
+            <a:pPr marL="457183" marR="0" lvl="1" indent="0" algn="l" defTabSz="914367" rtl="0" eaLnBrk="1" fontAlgn="auto" latinLnBrk="0" hangingPunct="1">
+              <a:lnSpc>
+                <a:spcPct val="150000"/>
+              </a:lnSpc>
+              <a:spcBef>
+                <a:spcPts val="0"/>
+              </a:spcBef>
+              <a:spcAft>
+                <a:spcPts val="0"/>
+              </a:spcAft>
+              <a:buClrTx/>
+              <a:buSzTx/>
+              <a:buFontTx/>
+              <a:buNone/>
+              <a:tabLst/>
+              <a:defRPr/>
+            </a:pPr>
+            <a:endParaRPr kumimoji="0" lang="en-US" sz="3200" b="0" i="0" u="none" strike="noStrike" kern="1200" cap="none" spc="0" normalizeH="0" baseline="0" noProof="0" dirty="0">
+              <a:ln>
+                <a:noFill/>
+              </a:ln>
+              <a:gradFill>
+                <a:gsLst>
+                  <a:gs pos="2917">
+                    <a:srgbClr val="1A1A1A"/>
+                  </a:gs>
+                  <a:gs pos="30000">
+                    <a:srgbClr val="1A1A1A"/>
+                  </a:gs>
+                </a:gsLst>
+                <a:lin ang="5400000" scaled="0"/>
+              </a:gradFill>
+              <a:effectLst/>
+              <a:uLnTx/>
+              <a:uFillTx/>
+              <a:ea typeface="+mn-ea"/>
+              <a:cs typeface="+mn-cs"/>
+            </a:endParaRPr>
+          </a:p>
+          <a:p>
+            <a:pPr marL="342900" marR="0" lvl="0" indent="-342900" algn="l" defTabSz="914367" rtl="0" eaLnBrk="1" fontAlgn="auto" latinLnBrk="0" hangingPunct="1">
+              <a:lnSpc>
+                <a:spcPct val="150000"/>
+              </a:lnSpc>
+              <a:spcBef>
+                <a:spcPts val="0"/>
+              </a:spcBef>
+              <a:spcAft>
+                <a:spcPts val="0"/>
+              </a:spcAft>
+              <a:buClrTx/>
+              <a:buSzTx/>
+              <a:buFont typeface="Arial" panose="020B0604020202020204" pitchFamily="34" charset="0"/>
+              <a:buChar char="•"/>
+              <a:tabLst/>
+              <a:defRPr/>
+            </a:pPr>
+            <a:r>
+              <a:rPr kumimoji="0" lang="en-US" sz="3200" b="0" i="0" u="none" strike="noStrike" kern="1200" cap="none" spc="0" normalizeH="0" baseline="0" noProof="0" dirty="0">
+                <a:ln>
+                  <a:noFill/>
+                </a:ln>
+                <a:gradFill>
+                  <a:gsLst>
+                    <a:gs pos="2917">
+                      <a:srgbClr val="1A1A1A"/>
+                    </a:gs>
+                    <a:gs pos="30000">
+                      <a:srgbClr val="1A1A1A"/>
+                    </a:gs>
+                  </a:gsLst>
+                  <a:lin ang="5400000" scaled="0"/>
+                </a:gradFill>
+                <a:effectLst/>
+                <a:uLnTx/>
+                <a:uFillTx/>
+                <a:ea typeface="+mn-ea"/>
+                <a:cs typeface="+mn-cs"/>
+              </a:rPr>
+              <a:t>Confirmation email from </a:t>
+            </a:r>
+            <a:r>
+              <a:rPr kumimoji="0" lang="en-US" sz="3200" b="0" i="0" u="none" strike="noStrike" kern="1200" cap="none" spc="0" normalizeH="0" baseline="0" noProof="0" dirty="0">
+                <a:ln>
+                  <a:noFill/>
+                </a:ln>
+                <a:gradFill>
+                  <a:gsLst>
+                    <a:gs pos="2917">
+                      <a:srgbClr val="1A1A1A"/>
+                    </a:gs>
+                    <a:gs pos="30000">
+                      <a:srgbClr val="1A1A1A"/>
+                    </a:gs>
+                  </a:gsLst>
+                  <a:lin ang="5400000" scaled="0"/>
+                </a:gradFill>
+                <a:effectLst/>
+                <a:uLnTx/>
+                <a:uFillTx/>
+                <a:ea typeface="+mn-ea"/>
+                <a:cs typeface="+mn-cs"/>
                 <a:hlinkClick r:id="rId3"/>
               </a:rPr>
-              <a:t>https://docs.microsoft.com/en-us/azure/cognitive-services/cognitive-services-container-support</a:t>
-            </a:r>
-            <a:r>
-              <a:rPr lang="en-US" b="1" dirty="0"/>
+              <a:t>noreply@cloudlabs.ai</a:t>
+            </a:r>
+            <a:r>
+              <a:rPr kumimoji="0" lang="en-US" sz="3200" b="0" i="0" u="none" strike="noStrike" kern="1200" cap="none" spc="0" normalizeH="0" baseline="0" noProof="0" dirty="0">
+                <a:ln>
+                  <a:noFill/>
+                </a:ln>
+                <a:gradFill>
+                  <a:gsLst>
+                    <a:gs pos="2917">
+                      <a:srgbClr val="1A1A1A"/>
+                    </a:gs>
+                    <a:gs pos="30000">
+                      <a:srgbClr val="1A1A1A"/>
+                    </a:gs>
+                  </a:gsLst>
+                  <a:lin ang="5400000" scaled="0"/>
+                </a:gradFill>
+                <a:effectLst/>
+                <a:uLnTx/>
+                <a:uFillTx/>
+                <a:ea typeface="+mn-ea"/>
+                <a:cs typeface="+mn-cs"/>
+              </a:rPr>
               <a:t> </a:t>
             </a:r>
           </a:p>
           <a:p>
-            <a:endParaRPr lang="en-US" b="1" dirty="0"/>
-          </a:p>
-          <a:p>
-            <a:endParaRPr lang="en-US" b="1" dirty="0"/>
-          </a:p>
-          <a:p>
-            <a:pPr marL="285750" indent="-285750">
-              <a:buFont typeface="Arial" panose="020B0604020202020204" pitchFamily="34" charset="0"/>
-              <a:buChar char="•"/>
+            <a:pPr marL="0" marR="0" lvl="0" indent="0" algn="l" defTabSz="914367" rtl="0" eaLnBrk="1" fontAlgn="auto" latinLnBrk="0" hangingPunct="1">
+              <a:lnSpc>
+                <a:spcPct val="100000"/>
+              </a:lnSpc>
+              <a:spcBef>
+                <a:spcPts val="0"/>
+              </a:spcBef>
+              <a:spcAft>
+                <a:spcPts val="0"/>
+              </a:spcAft>
+              <a:buClrTx/>
+              <a:buSzTx/>
+              <a:buFontTx/>
+              <a:buNone/>
+              <a:tabLst/>
+              <a:defRPr/>
             </a:pPr>
-            <a:r>
-              <a:rPr lang="en-US" b="1" dirty="0"/>
-              <a:t>Power BI delivers AI power</a:t>
-            </a:r>
-          </a:p>
-          <a:p>
-            <a:r>
-              <a:rPr lang="en-US" b="1" dirty="0">
-                <a:hlinkClick r:id="rId4"/>
-              </a:rPr>
-              <a:t>https://www.zdnet.com/article/power-bi-delivers-ai-power/</a:t>
-            </a:r>
-            <a:r>
-              <a:rPr lang="en-US" b="1" dirty="0"/>
-              <a:t> </a:t>
-            </a:r>
-          </a:p>
-          <a:p>
-            <a:endParaRPr lang="en-US" b="1" dirty="0"/>
-          </a:p>
-          <a:p>
-            <a:pPr marL="285750" indent="-285750">
-              <a:buFont typeface="Arial" panose="020B0604020202020204" pitchFamily="34" charset="0"/>
-              <a:buChar char="•"/>
-            </a:pPr>
-            <a:r>
-              <a:rPr lang="en-US" b="1" dirty="0"/>
-              <a:t>New Certifications! Beta for a </a:t>
-            </a:r>
-            <a:r>
-              <a:rPr lang="en-US" b="1"/>
-              <a:t>limited time!</a:t>
-            </a:r>
-            <a:endParaRPr lang="en-US" b="1" dirty="0"/>
-          </a:p>
-          <a:p>
-            <a:pPr marL="742933" lvl="1" indent="-285750">
-              <a:buFont typeface="Arial" panose="020B0604020202020204" pitchFamily="34" charset="0"/>
-              <a:buChar char="•"/>
-            </a:pPr>
-            <a:r>
-              <a:rPr lang="en-US" b="1" dirty="0"/>
-              <a:t>Azure Data Engineer</a:t>
-            </a:r>
-          </a:p>
-          <a:p>
-            <a:pPr marL="742933" lvl="1" indent="-285750">
-              <a:buFont typeface="Arial" panose="020B0604020202020204" pitchFamily="34" charset="0"/>
-              <a:buChar char="•"/>
-            </a:pPr>
-            <a:r>
-              <a:rPr lang="en-US" b="1" dirty="0"/>
-              <a:t>Azure AI Engineer</a:t>
-            </a:r>
-          </a:p>
-          <a:p>
-            <a:pPr marL="742933" lvl="1" indent="-285750">
-              <a:buFont typeface="Arial" panose="020B0604020202020204" pitchFamily="34" charset="0"/>
-              <a:buChar char="•"/>
-            </a:pPr>
-            <a:r>
-              <a:rPr lang="en-US" b="1" dirty="0"/>
-              <a:t>Azure Data Scientist</a:t>
-            </a:r>
-          </a:p>
-          <a:p>
-            <a:r>
-              <a:rPr lang="en-US" b="1" dirty="0">
-                <a:hlinkClick r:id="rId5"/>
-              </a:rPr>
-              <a:t>https://www.microsoft.com/en-us/learning/browse-new-certification.aspx</a:t>
-            </a:r>
-            <a:r>
-              <a:rPr lang="en-US" b="1" dirty="0"/>
-              <a:t> </a:t>
-            </a:r>
-          </a:p>
-          <a:p>
-            <a:endParaRPr lang="en-US" b="1" dirty="0"/>
+            <a:endParaRPr kumimoji="0" lang="en-US" sz="3200" b="0" i="0" u="none" strike="noStrike" kern="1200" cap="none" spc="0" normalizeH="0" baseline="0" noProof="0" dirty="0">
+              <a:ln>
+                <a:noFill/>
+              </a:ln>
+              <a:gradFill>
+                <a:gsLst>
+                  <a:gs pos="2917">
+                    <a:srgbClr val="1A1A1A"/>
+                  </a:gs>
+                  <a:gs pos="30000">
+                    <a:srgbClr val="1A1A1A"/>
+                  </a:gs>
+                </a:gsLst>
+                <a:lin ang="5400000" scaled="0"/>
+              </a:gradFill>
+              <a:effectLst/>
+              <a:uLnTx/>
+              <a:uFillTx/>
+              <a:ea typeface="+mn-ea"/>
+              <a:cs typeface="+mn-cs"/>
+            </a:endParaRPr>
           </a:p>
         </p:txBody>
       </p:sp>
+      <p:pic>
+        <p:nvPicPr>
+          <p:cNvPr id="7" name="Picture 6">
+            <a:extLst>
+              <a:ext uri="{FF2B5EF4-FFF2-40B4-BE49-F238E27FC236}">
+                <a16:creationId xmlns:a16="http://schemas.microsoft.com/office/drawing/2014/main" id="{44626558-A6C3-49D8-BE9B-D7C6BB41C82F}"/>
+              </a:ext>
+            </a:extLst>
+          </p:cNvPr>
+          <p:cNvPicPr>
+            <a:picLocks noChangeAspect="1"/>
+          </p:cNvPicPr>
+          <p:nvPr/>
+        </p:nvPicPr>
+        <p:blipFill>
+          <a:blip r:embed="rId4"/>
+          <a:stretch>
+            <a:fillRect/>
+          </a:stretch>
+        </p:blipFill>
+        <p:spPr>
+          <a:xfrm>
+            <a:off x="5977658" y="1641684"/>
+            <a:ext cx="5673173" cy="4323036"/>
+          </a:xfrm>
+          <a:prstGeom prst="rect">
+            <a:avLst/>
+          </a:prstGeom>
+        </p:spPr>
+      </p:pic>
     </p:spTree>
     <p:extLst>
       <p:ext uri="{BB962C8B-B14F-4D97-AF65-F5344CB8AC3E}">
-        <p14:creationId xmlns:p14="http://schemas.microsoft.com/office/powerpoint/2010/main" val="96372213"/>
+        <p14:creationId xmlns:p14="http://schemas.microsoft.com/office/powerpoint/2010/main" val="2409495378"/>
       </p:ext>
     </p:extLst>
   </p:cSld>
@@ -15360,14 +14126,19 @@
         </p:nvSpPr>
         <p:spPr>
           <a:xfrm>
-            <a:off x="748977" y="302926"/>
-            <a:ext cx="10801919" cy="1107996"/>
+            <a:off x="576699" y="448699"/>
+            <a:ext cx="10801919" cy="553998"/>
           </a:xfrm>
         </p:spPr>
         <p:txBody>
           <a:bodyPr/>
           <a:lstStyle/>
           <a:p>
+            <a:pPr>
+              <a:spcAft>
+                <a:spcPts val="588"/>
+              </a:spcAft>
+            </a:pPr>
             <a:r>
               <a:rPr lang="en-US" dirty="0">
                 <a:gradFill>
@@ -15382,33 +14153,17 @@
                   <a:lin ang="5400000" scaled="0"/>
                 </a:gradFill>
               </a:rPr>
-              <a:t>Spektra Environment</a:t>
-            </a:r>
-            <a:br>
-              <a:rPr lang="en-US" dirty="0">
-                <a:gradFill>
-                  <a:gsLst>
-                    <a:gs pos="2917">
-                      <a:schemeClr val="tx1"/>
-                    </a:gs>
-                    <a:gs pos="30000">
-                      <a:schemeClr val="tx1"/>
-                    </a:gs>
-                  </a:gsLst>
-                  <a:lin ang="5400000" scaled="0"/>
-                </a:gradFill>
-              </a:rPr>
-            </a:br>
-            <a:endParaRPr lang="en-US" u="sng" dirty="0"/>
+              <a:t>LearnAI – Knowledge Mining Bootcamp</a:t>
+            </a:r>
           </a:p>
         </p:txBody>
       </p:sp>
       <p:sp>
         <p:nvSpPr>
-          <p:cNvPr id="4" name="TextBox 3">
+          <p:cNvPr id="5" name="TextBox 4">
             <a:extLst>
               <a:ext uri="{FF2B5EF4-FFF2-40B4-BE49-F238E27FC236}">
-                <a16:creationId xmlns:a16="http://schemas.microsoft.com/office/drawing/2014/main" id="{C2E14072-CFF1-4148-AA4E-D2E5551FAE59}"/>
+                <a16:creationId xmlns:a16="http://schemas.microsoft.com/office/drawing/2014/main" id="{9E6A2D7A-E911-4AF1-A1D9-BC4A59091828}"/>
               </a:ext>
             </a:extLst>
           </p:cNvPr>
@@ -15417,8 +14172,8 @@
         </p:nvSpPr>
         <p:spPr>
           <a:xfrm>
-            <a:off x="271899" y="1583634"/>
-            <a:ext cx="5393405" cy="5663089"/>
+            <a:off x="576699" y="2545456"/>
+            <a:ext cx="8924350" cy="1120654"/>
           </a:xfrm>
           <a:prstGeom prst="rect">
             <a:avLst/>
@@ -15426,387 +14181,59 @@
           <a:noFill/>
         </p:spPr>
         <p:txBody>
-          <a:bodyPr wrap="square" lIns="0" tIns="0" rIns="0" bIns="0" rtlCol="0">
+          <a:bodyPr wrap="square" lIns="179285" tIns="143428" rIns="179285" bIns="143428" rtlCol="0">
             <a:spAutoFit/>
           </a:bodyPr>
           <a:lstStyle/>
           <a:p>
-            <a:pPr marL="342900" lvl="0" indent="-342900">
+            <a:pPr>
               <a:lnSpc>
-                <a:spcPct val="150000"/>
+                <a:spcPct val="90000"/>
               </a:lnSpc>
-              <a:buFont typeface="Arial" panose="020B0604020202020204" pitchFamily="34" charset="0"/>
-              <a:buChar char="•"/>
+              <a:spcAft>
+                <a:spcPts val="588"/>
+              </a:spcAft>
             </a:pPr>
             <a:r>
-              <a:rPr lang="en-US" sz="3200" b="1" u="sng" dirty="0">
-                <a:hlinkClick r:id="rId3"/>
-              </a:rPr>
-              <a:t>http://bit.ly/2zF4bJA</a:t>
-            </a:r>
-            <a:r>
-              <a:rPr lang="en-US" sz="3200" b="1" u="sng" dirty="0"/>
-              <a:t> </a:t>
-            </a:r>
-            <a:endParaRPr kumimoji="0" lang="en-US" sz="3200" b="1" i="0" u="none" strike="noStrike" kern="1200" cap="none" spc="0" normalizeH="0" baseline="0" noProof="0" dirty="0">
-              <a:ln>
-                <a:noFill/>
-              </a:ln>
-              <a:gradFill>
-                <a:gsLst>
-                  <a:gs pos="2917">
-                    <a:srgbClr val="1A1A1A"/>
-                  </a:gs>
-                  <a:gs pos="30000">
-                    <a:srgbClr val="1A1A1A"/>
-                  </a:gs>
-                </a:gsLst>
-                <a:lin ang="5400000" scaled="0"/>
-              </a:gradFill>
-              <a:effectLst/>
-              <a:uLnTx/>
-              <a:uFillTx/>
-              <a:ea typeface="+mn-ea"/>
-              <a:cs typeface="+mn-cs"/>
-            </a:endParaRPr>
-          </a:p>
-          <a:p>
-            <a:pPr marL="342900" marR="0" lvl="0" indent="-342900" algn="l" defTabSz="914367" rtl="0" eaLnBrk="1" fontAlgn="auto" latinLnBrk="0" hangingPunct="1">
-              <a:lnSpc>
-                <a:spcPct val="150000"/>
-              </a:lnSpc>
-              <a:spcBef>
-                <a:spcPts val="0"/>
-              </a:spcBef>
-              <a:spcAft>
-                <a:spcPts val="0"/>
-              </a:spcAft>
-              <a:buClrTx/>
-              <a:buSzTx/>
-              <a:buFont typeface="Arial" panose="020B0604020202020204" pitchFamily="34" charset="0"/>
-              <a:buChar char="•"/>
-              <a:tabLst/>
-              <a:defRPr/>
-            </a:pPr>
-            <a:r>
-              <a:rPr kumimoji="0" lang="en-US" sz="3200" b="0" i="0" u="none" strike="noStrike" kern="1200" cap="none" spc="0" normalizeH="0" baseline="0" noProof="0" dirty="0">
-                <a:ln>
-                  <a:noFill/>
-                </a:ln>
+              <a:rPr lang="en-US" sz="6000" dirty="0">
                 <a:gradFill>
                   <a:gsLst>
                     <a:gs pos="2917">
-                      <a:srgbClr val="1A1A1A"/>
+                      <a:schemeClr val="tx1"/>
                     </a:gs>
                     <a:gs pos="30000">
-                      <a:srgbClr val="1A1A1A"/>
+                      <a:schemeClr val="tx1"/>
                     </a:gs>
                   </a:gsLst>
                   <a:lin ang="5400000" scaled="0"/>
                 </a:gradFill>
-                <a:effectLst/>
-                <a:uLnTx/>
-                <a:uFillTx/>
-                <a:ea typeface="+mn-ea"/>
-                <a:cs typeface="+mn-cs"/>
+                <a:hlinkClick r:id="rId3"/>
               </a:rPr>
-              <a:t>Training Environment</a:t>
-            </a:r>
-          </a:p>
-          <a:p>
-            <a:pPr marL="800083" marR="0" lvl="1" indent="-342900" algn="l" defTabSz="914367" rtl="0" eaLnBrk="1" fontAlgn="auto" latinLnBrk="0" hangingPunct="1">
-              <a:lnSpc>
-                <a:spcPct val="150000"/>
-              </a:lnSpc>
-              <a:spcBef>
-                <a:spcPts val="0"/>
-              </a:spcBef>
-              <a:spcAft>
-                <a:spcPts val="0"/>
-              </a:spcAft>
-              <a:buClrTx/>
-              <a:buSzTx/>
-              <a:buFont typeface="Arial" panose="020B0604020202020204" pitchFamily="34" charset="0"/>
-              <a:buChar char="•"/>
-              <a:tabLst/>
-              <a:defRPr/>
-            </a:pPr>
-            <a:r>
-              <a:rPr kumimoji="0" lang="en-US" sz="3200" b="0" i="0" u="none" strike="noStrike" kern="1200" cap="none" spc="0" normalizeH="0" baseline="0" noProof="0" dirty="0">
-                <a:ln>
-                  <a:noFill/>
-                </a:ln>
+              <a:t>https://aka.ms/kmb</a:t>
+            </a:r>
+            <a:r>
+              <a:rPr lang="en-US" sz="6000" dirty="0">
                 <a:gradFill>
                   <a:gsLst>
                     <a:gs pos="2917">
-                      <a:srgbClr val="1A1A1A"/>
+                      <a:schemeClr val="tx1"/>
                     </a:gs>
                     <a:gs pos="30000">
-                      <a:srgbClr val="1A1A1A"/>
+                      <a:schemeClr val="tx1"/>
                     </a:gs>
                   </a:gsLst>
                   <a:lin ang="5400000" scaled="0"/>
                 </a:gradFill>
-                <a:effectLst/>
-                <a:uLnTx/>
-                <a:uFillTx/>
-                <a:ea typeface="+mn-ea"/>
-                <a:cs typeface="+mn-cs"/>
               </a:rPr>
-              <a:t>Azure Account</a:t>
-            </a:r>
-          </a:p>
-          <a:p>
-            <a:pPr marL="800083" marR="0" lvl="1" indent="-342900" algn="l" defTabSz="914367" rtl="0" eaLnBrk="1" fontAlgn="auto" latinLnBrk="0" hangingPunct="1">
-              <a:lnSpc>
-                <a:spcPct val="150000"/>
-              </a:lnSpc>
-              <a:spcBef>
-                <a:spcPts val="0"/>
-              </a:spcBef>
-              <a:spcAft>
-                <a:spcPts val="0"/>
-              </a:spcAft>
-              <a:buClrTx/>
-              <a:buSzTx/>
-              <a:buFont typeface="Arial" panose="020B0604020202020204" pitchFamily="34" charset="0"/>
-              <a:buChar char="•"/>
-              <a:tabLst/>
-              <a:defRPr/>
-            </a:pPr>
-            <a:r>
-              <a:rPr kumimoji="0" lang="en-US" sz="3200" b="0" i="0" u="none" strike="noStrike" kern="1200" cap="none" spc="0" normalizeH="0" baseline="0" noProof="0" dirty="0">
-                <a:ln>
-                  <a:noFill/>
-                </a:ln>
-                <a:gradFill>
-                  <a:gsLst>
-                    <a:gs pos="2917">
-                      <a:srgbClr val="1A1A1A"/>
-                    </a:gs>
-                    <a:gs pos="30000">
-                      <a:srgbClr val="1A1A1A"/>
-                    </a:gs>
-                  </a:gsLst>
-                  <a:lin ang="5400000" scaled="0"/>
-                </a:gradFill>
-                <a:effectLst/>
-                <a:uLnTx/>
-                <a:uFillTx/>
-                <a:ea typeface="+mn-ea"/>
-                <a:cs typeface="+mn-cs"/>
-              </a:rPr>
-              <a:t>DSVM</a:t>
-            </a:r>
-          </a:p>
-          <a:p>
-            <a:pPr marL="457183" marR="0" lvl="1" indent="0" algn="l" defTabSz="914367" rtl="0" eaLnBrk="1" fontAlgn="auto" latinLnBrk="0" hangingPunct="1">
-              <a:lnSpc>
-                <a:spcPct val="150000"/>
-              </a:lnSpc>
-              <a:spcBef>
-                <a:spcPts val="0"/>
-              </a:spcBef>
-              <a:spcAft>
-                <a:spcPts val="0"/>
-              </a:spcAft>
-              <a:buClrTx/>
-              <a:buSzTx/>
-              <a:buFontTx/>
-              <a:buNone/>
-              <a:tabLst/>
-              <a:defRPr/>
-            </a:pPr>
-            <a:endParaRPr kumimoji="0" lang="en-US" sz="3200" b="0" i="0" u="none" strike="noStrike" kern="1200" cap="none" spc="0" normalizeH="0" baseline="0" noProof="0" dirty="0">
-              <a:ln>
-                <a:noFill/>
-              </a:ln>
-              <a:gradFill>
-                <a:gsLst>
-                  <a:gs pos="2917">
-                    <a:srgbClr val="1A1A1A"/>
-                  </a:gs>
-                  <a:gs pos="30000">
-                    <a:srgbClr val="1A1A1A"/>
-                  </a:gs>
-                </a:gsLst>
-                <a:lin ang="5400000" scaled="0"/>
-              </a:gradFill>
-              <a:effectLst/>
-              <a:uLnTx/>
-              <a:uFillTx/>
-              <a:ea typeface="+mn-ea"/>
-              <a:cs typeface="+mn-cs"/>
-            </a:endParaRPr>
-          </a:p>
-          <a:p>
-            <a:pPr marL="342900" marR="0" lvl="0" indent="-342900" algn="l" defTabSz="914367" rtl="0" eaLnBrk="1" fontAlgn="auto" latinLnBrk="0" hangingPunct="1">
-              <a:lnSpc>
-                <a:spcPct val="150000"/>
-              </a:lnSpc>
-              <a:spcBef>
-                <a:spcPts val="0"/>
-              </a:spcBef>
-              <a:spcAft>
-                <a:spcPts val="0"/>
-              </a:spcAft>
-              <a:buClrTx/>
-              <a:buSzTx/>
-              <a:buFont typeface="Arial" panose="020B0604020202020204" pitchFamily="34" charset="0"/>
-              <a:buChar char="•"/>
-              <a:tabLst/>
-              <a:defRPr/>
-            </a:pPr>
-            <a:r>
-              <a:rPr kumimoji="0" lang="en-US" sz="3200" b="0" i="0" u="none" strike="noStrike" kern="1200" cap="none" spc="0" normalizeH="0" baseline="0" noProof="0" dirty="0">
-                <a:ln>
-                  <a:noFill/>
-                </a:ln>
-                <a:gradFill>
-                  <a:gsLst>
-                    <a:gs pos="2917">
-                      <a:srgbClr val="1A1A1A"/>
-                    </a:gs>
-                    <a:gs pos="30000">
-                      <a:srgbClr val="1A1A1A"/>
-                    </a:gs>
-                  </a:gsLst>
-                  <a:lin ang="5400000" scaled="0"/>
-                </a:gradFill>
-                <a:effectLst/>
-                <a:uLnTx/>
-                <a:uFillTx/>
-                <a:ea typeface="+mn-ea"/>
-                <a:cs typeface="+mn-cs"/>
-              </a:rPr>
-              <a:t>Confirmation email from </a:t>
-            </a:r>
-            <a:r>
-              <a:rPr kumimoji="0" lang="en-US" sz="3200" b="0" i="0" u="none" strike="noStrike" kern="1200" cap="none" spc="0" normalizeH="0" baseline="0" noProof="0" dirty="0">
-                <a:ln>
-                  <a:noFill/>
-                </a:ln>
-                <a:gradFill>
-                  <a:gsLst>
-                    <a:gs pos="2917">
-                      <a:srgbClr val="1A1A1A"/>
-                    </a:gs>
-                    <a:gs pos="30000">
-                      <a:srgbClr val="1A1A1A"/>
-                    </a:gs>
-                  </a:gsLst>
-                  <a:lin ang="5400000" scaled="0"/>
-                </a:gradFill>
-                <a:effectLst/>
-                <a:uLnTx/>
-                <a:uFillTx/>
-                <a:ea typeface="+mn-ea"/>
-                <a:cs typeface="+mn-cs"/>
-                <a:hlinkClick r:id="rId4"/>
-              </a:rPr>
-              <a:t>noreply@cloudlabs.ai</a:t>
-            </a:r>
-            <a:r>
-              <a:rPr kumimoji="0" lang="en-US" sz="3200" b="0" i="0" u="none" strike="noStrike" kern="1200" cap="none" spc="0" normalizeH="0" baseline="0" noProof="0" dirty="0">
-                <a:ln>
-                  <a:noFill/>
-                </a:ln>
-                <a:gradFill>
-                  <a:gsLst>
-                    <a:gs pos="2917">
-                      <a:srgbClr val="1A1A1A"/>
-                    </a:gs>
-                    <a:gs pos="30000">
-                      <a:srgbClr val="1A1A1A"/>
-                    </a:gs>
-                  </a:gsLst>
-                  <a:lin ang="5400000" scaled="0"/>
-                </a:gradFill>
-                <a:effectLst/>
-                <a:uLnTx/>
-                <a:uFillTx/>
-                <a:ea typeface="+mn-ea"/>
-                <a:cs typeface="+mn-cs"/>
-              </a:rPr>
-              <a:t> </a:t>
-            </a:r>
-          </a:p>
-          <a:p>
-            <a:pPr marL="0" marR="0" lvl="0" indent="0" algn="l" defTabSz="914367" rtl="0" eaLnBrk="1" fontAlgn="auto" latinLnBrk="0" hangingPunct="1">
-              <a:lnSpc>
-                <a:spcPct val="100000"/>
-              </a:lnSpc>
-              <a:spcBef>
-                <a:spcPts val="0"/>
-              </a:spcBef>
-              <a:spcAft>
-                <a:spcPts val="0"/>
-              </a:spcAft>
-              <a:buClrTx/>
-              <a:buSzTx/>
-              <a:buFontTx/>
-              <a:buNone/>
-              <a:tabLst/>
-              <a:defRPr/>
-            </a:pPr>
-            <a:endParaRPr kumimoji="0" lang="en-US" sz="3200" b="0" i="0" u="none" strike="noStrike" kern="1200" cap="none" spc="0" normalizeH="0" baseline="0" noProof="0" dirty="0">
-              <a:ln>
-                <a:noFill/>
-              </a:ln>
-              <a:gradFill>
-                <a:gsLst>
-                  <a:gs pos="2917">
-                    <a:srgbClr val="1A1A1A"/>
-                  </a:gs>
-                  <a:gs pos="30000">
-                    <a:srgbClr val="1A1A1A"/>
-                  </a:gs>
-                </a:gsLst>
-                <a:lin ang="5400000" scaled="0"/>
-              </a:gradFill>
-              <a:effectLst/>
-              <a:uLnTx/>
-              <a:uFillTx/>
-              <a:ea typeface="+mn-ea"/>
-              <a:cs typeface="+mn-cs"/>
-            </a:endParaRPr>
+              <a:t>   </a:t>
+            </a:r>
           </a:p>
         </p:txBody>
       </p:sp>
-      <p:pic>
-        <p:nvPicPr>
-          <p:cNvPr id="7" name="Picture 6">
-            <a:extLst>
-              <a:ext uri="{FF2B5EF4-FFF2-40B4-BE49-F238E27FC236}">
-                <a16:creationId xmlns:a16="http://schemas.microsoft.com/office/drawing/2014/main" id="{44626558-A6C3-49D8-BE9B-D7C6BB41C82F}"/>
-              </a:ext>
-            </a:extLst>
-          </p:cNvPr>
-          <p:cNvPicPr>
-            <a:picLocks noChangeAspect="1"/>
-          </p:cNvPicPr>
-          <p:nvPr/>
-        </p:nvPicPr>
-        <p:blipFill>
-          <a:blip r:embed="rId5"/>
-          <a:stretch>
-            <a:fillRect/>
-          </a:stretch>
-        </p:blipFill>
-        <p:spPr>
-          <a:xfrm>
-            <a:off x="5977658" y="1641684"/>
-            <a:ext cx="5673173" cy="4323036"/>
-          </a:xfrm>
-          <a:prstGeom prst="rect">
-            <a:avLst/>
-          </a:prstGeom>
-        </p:spPr>
-      </p:pic>
     </p:spTree>
     <p:extLst>
       <p:ext uri="{BB962C8B-B14F-4D97-AF65-F5344CB8AC3E}">
-        <p14:creationId xmlns:p14="http://schemas.microsoft.com/office/powerpoint/2010/main" val="2409495378"/>
+        <p14:creationId xmlns:p14="http://schemas.microsoft.com/office/powerpoint/2010/main" val="3621237086"/>
       </p:ext>
     </p:extLst>
   </p:cSld>
@@ -15816,6 +14243,84 @@
   <p:transition>
     <p:fade/>
   </p:transition>
+  <p:timing>
+    <p:tnLst>
+      <p:par>
+        <p:cTn id="1" dur="indefinite" restart="never" nodeType="tmRoot">
+          <p:childTnLst>
+            <p:seq concurrent="1" nextAc="seek">
+              <p:cTn id="2" dur="indefinite" nodeType="mainSeq">
+                <p:childTnLst>
+                  <p:par>
+                    <p:cTn id="3" fill="hold">
+                      <p:stCondLst>
+                        <p:cond delay="indefinite"/>
+                      </p:stCondLst>
+                      <p:childTnLst>
+                        <p:par>
+                          <p:cTn id="4" fill="hold">
+                            <p:stCondLst>
+                              <p:cond delay="0"/>
+                            </p:stCondLst>
+                            <p:childTnLst>
+                              <p:par>
+                                <p:cTn id="5" presetID="1" presetClass="entr" presetSubtype="0" fill="hold" grpId="0" nodeType="clickEffect">
+                                  <p:stCondLst>
+                                    <p:cond delay="0"/>
+                                  </p:stCondLst>
+                                  <p:childTnLst>
+                                    <p:set>
+                                      <p:cBhvr>
+                                        <p:cTn id="6" dur="1" fill="hold">
+                                          <p:stCondLst>
+                                            <p:cond delay="0"/>
+                                          </p:stCondLst>
+                                        </p:cTn>
+                                        <p:tgtEl>
+                                          <p:spTgt spid="5"/>
+                                        </p:tgtEl>
+                                        <p:attrNameLst>
+                                          <p:attrName>style.visibility</p:attrName>
+                                        </p:attrNameLst>
+                                      </p:cBhvr>
+                                      <p:to>
+                                        <p:strVal val="visible"/>
+                                      </p:to>
+                                    </p:set>
+                                  </p:childTnLst>
+                                </p:cTn>
+                              </p:par>
+                            </p:childTnLst>
+                          </p:cTn>
+                        </p:par>
+                      </p:childTnLst>
+                    </p:cTn>
+                  </p:par>
+                </p:childTnLst>
+              </p:cTn>
+              <p:prevCondLst>
+                <p:cond evt="onPrev" delay="0">
+                  <p:tgtEl>
+                    <p:sldTgt/>
+                  </p:tgtEl>
+                </p:cond>
+              </p:prevCondLst>
+              <p:nextCondLst>
+                <p:cond evt="onNext" delay="0">
+                  <p:tgtEl>
+                    <p:sldTgt/>
+                  </p:tgtEl>
+                </p:cond>
+              </p:nextCondLst>
+            </p:seq>
+          </p:childTnLst>
+        </p:cTn>
+      </p:par>
+    </p:tnLst>
+    <p:bldLst>
+      <p:bldP spid="5" grpId="0"/>
+    </p:bldLst>
+  </p:timing>
 </p:sld>
 </file>
 
@@ -16676,12 +15181,9 @@
 </file>
 
 <file path=customXml/item1.xml><?xml version="1.0" encoding="utf-8"?>
-<?mso-contentType ?>
-<FormTemplates xmlns="http://schemas.microsoft.com/sharepoint/v3/contenttype/forms">
-  <Display>DocumentLibraryForm</Display>
-  <Edit>DocumentLibraryForm</Edit>
-  <New>DocumentLibraryForm</New>
-</FormTemplates>
+<p:properties xmlns:p="http://schemas.microsoft.com/office/2006/metadata/properties" xmlns:xsi="http://www.w3.org/2001/XMLSchema-instance" xmlns:pc="http://schemas.microsoft.com/office/infopath/2007/PartnerControls">
+  <documentManagement/>
+</p:properties>
 </file>
 
 <file path=customXml/item2.xml><?xml version="1.0" encoding="utf-8"?>
@@ -16839,15 +15341,26 @@
 </file>
 
 <file path=customXml/item3.xml><?xml version="1.0" encoding="utf-8"?>
-<p:properties xmlns:p="http://schemas.microsoft.com/office/2006/metadata/properties" xmlns:xsi="http://www.w3.org/2001/XMLSchema-instance" xmlns:pc="http://schemas.microsoft.com/office/infopath/2007/PartnerControls">
-  <documentManagement/>
-</p:properties>
+<?mso-contentType ?>
+<FormTemplates xmlns="http://schemas.microsoft.com/sharepoint/v3/contenttype/forms">
+  <Display>DocumentLibraryForm</Display>
+  <Edit>DocumentLibraryForm</Edit>
+  <New>DocumentLibraryForm</New>
+</FormTemplates>
 </file>
 
 <file path=customXml/itemProps1.xml><?xml version="1.0" encoding="utf-8"?>
-<ds:datastoreItem xmlns:ds="http://schemas.openxmlformats.org/officeDocument/2006/customXml" ds:itemID="{758FDAC0-319D-4A54-8D8E-1D42CB1F8004}">
+<ds:datastoreItem xmlns:ds="http://schemas.openxmlformats.org/officeDocument/2006/customXml" ds:itemID="{F990F116-B58F-4255-B05B-DA3808E0E5C6}">
   <ds:schemaRefs>
-    <ds:schemaRef ds:uri="http://schemas.microsoft.com/sharepoint/v3/contenttype/forms"/>
+    <ds:schemaRef ds:uri="http://schemas.microsoft.com/office/infopath/2007/PartnerControls"/>
+    <ds:schemaRef ds:uri="http://purl.org/dc/dcmitype/"/>
+    <ds:schemaRef ds:uri="http://schemas.microsoft.com/office/2006/metadata/properties"/>
+    <ds:schemaRef ds:uri="http://purl.org/dc/terms/"/>
+    <ds:schemaRef ds:uri="http://schemas.microsoft.com/office/2006/documentManagement/types"/>
+    <ds:schemaRef ds:uri="http://purl.org/dc/elements/1.1/"/>
+    <ds:schemaRef ds:uri="http://www.w3.org/XML/1998/namespace"/>
+    <ds:schemaRef ds:uri="http://schemas.openxmlformats.org/package/2006/metadata/core-properties"/>
+    <ds:schemaRef ds:uri="630a2e83-186a-4a0f-ab27-bee8a8096abc"/>
   </ds:schemaRefs>
 </ds:datastoreItem>
 </file>
@@ -16871,17 +15384,9 @@
 </file>
 
 <file path=customXml/itemProps3.xml><?xml version="1.0" encoding="utf-8"?>
-<ds:datastoreItem xmlns:ds="http://schemas.openxmlformats.org/officeDocument/2006/customXml" ds:itemID="{F990F116-B58F-4255-B05B-DA3808E0E5C6}">
+<ds:datastoreItem xmlns:ds="http://schemas.openxmlformats.org/officeDocument/2006/customXml" ds:itemID="{758FDAC0-319D-4A54-8D8E-1D42CB1F8004}">
   <ds:schemaRefs>
-    <ds:schemaRef ds:uri="http://schemas.microsoft.com/office/infopath/2007/PartnerControls"/>
-    <ds:schemaRef ds:uri="http://purl.org/dc/dcmitype/"/>
-    <ds:schemaRef ds:uri="http://schemas.microsoft.com/office/2006/metadata/properties"/>
-    <ds:schemaRef ds:uri="http://purl.org/dc/terms/"/>
-    <ds:schemaRef ds:uri="http://schemas.microsoft.com/office/2006/documentManagement/types"/>
-    <ds:schemaRef ds:uri="http://purl.org/dc/elements/1.1/"/>
-    <ds:schemaRef ds:uri="http://www.w3.org/XML/1998/namespace"/>
-    <ds:schemaRef ds:uri="http://schemas.openxmlformats.org/package/2006/metadata/core-properties"/>
-    <ds:schemaRef ds:uri="630a2e83-186a-4a0f-ab27-bee8a8096abc"/>
+    <ds:schemaRef ds:uri="http://schemas.microsoft.com/sharepoint/v3/contenttype/forms"/>
   </ds:schemaRefs>
 </ds:datastoreItem>
 </file>